--- a/Slides_Maker/Weekly_5s_Review_3262024.pptx
+++ b/Slides_Maker/Weekly_5s_Review_3262024.pptx
@@ -130,7 +130,7 @@
           <p:cNvPr id="2" name="Title 1">
             <a:extLst>
               <a:ext uri="{FF2B5EF4-FFF2-40B4-BE49-F238E27FC236}">
-                <a16:creationId xmlns:a16="http://schemas.microsoft.com/office/drawing/2014/main" id="{7AB03884-B3F9-57C5-DD22-395C26B4E119}"/>
+                <a16:creationId xmlns:a16="http://schemas.microsoft.com/office/drawing/2014/main" id="{142D0C68-33A2-0230-10D8-F5FC8A53A011}"/>
               </a:ext>
             </a:extLst>
           </p:cNvPr>
@@ -167,7 +167,7 @@
           <p:cNvPr id="3" name="Subtitle 2">
             <a:extLst>
               <a:ext uri="{FF2B5EF4-FFF2-40B4-BE49-F238E27FC236}">
-                <a16:creationId xmlns:a16="http://schemas.microsoft.com/office/drawing/2014/main" id="{FF1ABA42-1000-E153-383F-0D589D3EB0D5}"/>
+                <a16:creationId xmlns:a16="http://schemas.microsoft.com/office/drawing/2014/main" id="{ADDE6A90-005F-D648-F3E1-ED245D5F2DAE}"/>
               </a:ext>
             </a:extLst>
           </p:cNvPr>
@@ -237,7 +237,7 @@
           <p:cNvPr id="4" name="Date Placeholder 3">
             <a:extLst>
               <a:ext uri="{FF2B5EF4-FFF2-40B4-BE49-F238E27FC236}">
-                <a16:creationId xmlns:a16="http://schemas.microsoft.com/office/drawing/2014/main" id="{62771B26-6DF8-5C0C-6F42-492C88D492C7}"/>
+                <a16:creationId xmlns:a16="http://schemas.microsoft.com/office/drawing/2014/main" id="{F94E61D3-4283-1E3A-4BCA-E1A960CADE68}"/>
               </a:ext>
             </a:extLst>
           </p:cNvPr>
@@ -253,7 +253,7 @@
           <a:bodyPr/>
           <a:lstStyle/>
           <a:p>
-            <a:fld id="{56A13A2E-E66E-4EA1-9051-38910238EB6C}" type="datetimeFigureOut">
+            <a:fld id="{41551FA9-5F11-4AB3-B65D-CDBD86D14244}" type="datetimeFigureOut">
               <a:rPr lang="en-US" smtClean="0"/>
               <a:t>3/26/2024</a:t>
             </a:fld>
@@ -266,7 +266,7 @@
           <p:cNvPr id="5" name="Footer Placeholder 4">
             <a:extLst>
               <a:ext uri="{FF2B5EF4-FFF2-40B4-BE49-F238E27FC236}">
-                <a16:creationId xmlns:a16="http://schemas.microsoft.com/office/drawing/2014/main" id="{24BFCE5C-3E20-56DF-536C-E0BCAEA8A153}"/>
+                <a16:creationId xmlns:a16="http://schemas.microsoft.com/office/drawing/2014/main" id="{AC70D1A0-243B-5B7C-9D0C-96EDDCF20B93}"/>
               </a:ext>
             </a:extLst>
           </p:cNvPr>
@@ -291,7 +291,7 @@
           <p:cNvPr id="6" name="Slide Number Placeholder 5">
             <a:extLst>
               <a:ext uri="{FF2B5EF4-FFF2-40B4-BE49-F238E27FC236}">
-                <a16:creationId xmlns:a16="http://schemas.microsoft.com/office/drawing/2014/main" id="{10BF99C6-E38B-7AC0-9CE0-D5E4A4FD1757}"/>
+                <a16:creationId xmlns:a16="http://schemas.microsoft.com/office/drawing/2014/main" id="{0950741F-5969-5750-09F8-630C782D9984}"/>
               </a:ext>
             </a:extLst>
           </p:cNvPr>
@@ -307,7 +307,7 @@
           <a:bodyPr/>
           <a:lstStyle/>
           <a:p>
-            <a:fld id="{3F034743-B803-4B0D-AA1B-7DB5E60E783A}" type="slidenum">
+            <a:fld id="{2A86BE8A-1476-4C71-972E-60578CF694FF}" type="slidenum">
               <a:rPr lang="en-US" smtClean="0"/>
               <a:t>‹#›</a:t>
             </a:fld>
@@ -318,7 +318,7 @@
     </p:spTree>
     <p:extLst>
       <p:ext uri="{BB962C8B-B14F-4D97-AF65-F5344CB8AC3E}">
-        <p14:creationId xmlns:p14="http://schemas.microsoft.com/office/powerpoint/2010/main" val="2168979737"/>
+        <p14:creationId xmlns:p14="http://schemas.microsoft.com/office/powerpoint/2010/main" val="3134547247"/>
       </p:ext>
     </p:extLst>
   </p:cSld>
@@ -350,7 +350,7 @@
           <p:cNvPr id="2" name="Title 1">
             <a:extLst>
               <a:ext uri="{FF2B5EF4-FFF2-40B4-BE49-F238E27FC236}">
-                <a16:creationId xmlns:a16="http://schemas.microsoft.com/office/drawing/2014/main" id="{E07B720E-ADA7-1D53-5DD2-1BF10A929D0C}"/>
+                <a16:creationId xmlns:a16="http://schemas.microsoft.com/office/drawing/2014/main" id="{483EDC8F-E819-897D-7DC2-F7FF5978EFC3}"/>
               </a:ext>
             </a:extLst>
           </p:cNvPr>
@@ -378,7 +378,7 @@
           <p:cNvPr id="3" name="Vertical Text Placeholder 2">
             <a:extLst>
               <a:ext uri="{FF2B5EF4-FFF2-40B4-BE49-F238E27FC236}">
-                <a16:creationId xmlns:a16="http://schemas.microsoft.com/office/drawing/2014/main" id="{2371C0C0-23E0-5E4F-9C93-CA6B6DF4436C}"/>
+                <a16:creationId xmlns:a16="http://schemas.microsoft.com/office/drawing/2014/main" id="{A099C558-5D3E-A346-9F7B-B367C5DC421A}"/>
               </a:ext>
             </a:extLst>
           </p:cNvPr>
@@ -435,7 +435,7 @@
           <p:cNvPr id="4" name="Date Placeholder 3">
             <a:extLst>
               <a:ext uri="{FF2B5EF4-FFF2-40B4-BE49-F238E27FC236}">
-                <a16:creationId xmlns:a16="http://schemas.microsoft.com/office/drawing/2014/main" id="{7F1D209B-36E6-FABC-E94E-E17732818A07}"/>
+                <a16:creationId xmlns:a16="http://schemas.microsoft.com/office/drawing/2014/main" id="{008604DD-79D4-23FB-1440-967A0760D96A}"/>
               </a:ext>
             </a:extLst>
           </p:cNvPr>
@@ -451,7 +451,7 @@
           <a:bodyPr/>
           <a:lstStyle/>
           <a:p>
-            <a:fld id="{56A13A2E-E66E-4EA1-9051-38910238EB6C}" type="datetimeFigureOut">
+            <a:fld id="{41551FA9-5F11-4AB3-B65D-CDBD86D14244}" type="datetimeFigureOut">
               <a:rPr lang="en-US" smtClean="0"/>
               <a:t>3/26/2024</a:t>
             </a:fld>
@@ -464,7 +464,7 @@
           <p:cNvPr id="5" name="Footer Placeholder 4">
             <a:extLst>
               <a:ext uri="{FF2B5EF4-FFF2-40B4-BE49-F238E27FC236}">
-                <a16:creationId xmlns:a16="http://schemas.microsoft.com/office/drawing/2014/main" id="{3B805C0E-8067-1862-A7C1-B558B4D97BBC}"/>
+                <a16:creationId xmlns:a16="http://schemas.microsoft.com/office/drawing/2014/main" id="{ACDAD0E2-322A-85B7-3E11-30BBC94B03D5}"/>
               </a:ext>
             </a:extLst>
           </p:cNvPr>
@@ -489,7 +489,7 @@
           <p:cNvPr id="6" name="Slide Number Placeholder 5">
             <a:extLst>
               <a:ext uri="{FF2B5EF4-FFF2-40B4-BE49-F238E27FC236}">
-                <a16:creationId xmlns:a16="http://schemas.microsoft.com/office/drawing/2014/main" id="{D382C875-4CCA-40AD-1AC0-A8B113200BB1}"/>
+                <a16:creationId xmlns:a16="http://schemas.microsoft.com/office/drawing/2014/main" id="{B1EBAB8F-FD59-254C-DF79-C7E0238C43AB}"/>
               </a:ext>
             </a:extLst>
           </p:cNvPr>
@@ -505,7 +505,7 @@
           <a:bodyPr/>
           <a:lstStyle/>
           <a:p>
-            <a:fld id="{3F034743-B803-4B0D-AA1B-7DB5E60E783A}" type="slidenum">
+            <a:fld id="{2A86BE8A-1476-4C71-972E-60578CF694FF}" type="slidenum">
               <a:rPr lang="en-US" smtClean="0"/>
               <a:t>‹#›</a:t>
             </a:fld>
@@ -516,7 +516,7 @@
     </p:spTree>
     <p:extLst>
       <p:ext uri="{BB962C8B-B14F-4D97-AF65-F5344CB8AC3E}">
-        <p14:creationId xmlns:p14="http://schemas.microsoft.com/office/powerpoint/2010/main" val="1558899290"/>
+        <p14:creationId xmlns:p14="http://schemas.microsoft.com/office/powerpoint/2010/main" val="70003703"/>
       </p:ext>
     </p:extLst>
   </p:cSld>
@@ -548,7 +548,7 @@
           <p:cNvPr id="2" name="Vertical Title 1">
             <a:extLst>
               <a:ext uri="{FF2B5EF4-FFF2-40B4-BE49-F238E27FC236}">
-                <a16:creationId xmlns:a16="http://schemas.microsoft.com/office/drawing/2014/main" id="{417F9E01-E215-9E6D-07CA-6AAB75921096}"/>
+                <a16:creationId xmlns:a16="http://schemas.microsoft.com/office/drawing/2014/main" id="{699FAD12-92CB-7474-C3C7-EE1854827BED}"/>
               </a:ext>
             </a:extLst>
           </p:cNvPr>
@@ -581,7 +581,7 @@
           <p:cNvPr id="3" name="Vertical Text Placeholder 2">
             <a:extLst>
               <a:ext uri="{FF2B5EF4-FFF2-40B4-BE49-F238E27FC236}">
-                <a16:creationId xmlns:a16="http://schemas.microsoft.com/office/drawing/2014/main" id="{BB1E40FA-7846-20A8-4B2C-DA4774D0A1BB}"/>
+                <a16:creationId xmlns:a16="http://schemas.microsoft.com/office/drawing/2014/main" id="{326A04C8-1108-A189-EB36-6E852E6C1691}"/>
               </a:ext>
             </a:extLst>
           </p:cNvPr>
@@ -643,7 +643,7 @@
           <p:cNvPr id="4" name="Date Placeholder 3">
             <a:extLst>
               <a:ext uri="{FF2B5EF4-FFF2-40B4-BE49-F238E27FC236}">
-                <a16:creationId xmlns:a16="http://schemas.microsoft.com/office/drawing/2014/main" id="{8CBC0943-5EC2-24C0-2A05-3A92DFAE1997}"/>
+                <a16:creationId xmlns:a16="http://schemas.microsoft.com/office/drawing/2014/main" id="{43F47FB5-E1DF-640A-B5E3-ADD3793FF109}"/>
               </a:ext>
             </a:extLst>
           </p:cNvPr>
@@ -659,7 +659,7 @@
           <a:bodyPr/>
           <a:lstStyle/>
           <a:p>
-            <a:fld id="{56A13A2E-E66E-4EA1-9051-38910238EB6C}" type="datetimeFigureOut">
+            <a:fld id="{41551FA9-5F11-4AB3-B65D-CDBD86D14244}" type="datetimeFigureOut">
               <a:rPr lang="en-US" smtClean="0"/>
               <a:t>3/26/2024</a:t>
             </a:fld>
@@ -672,7 +672,7 @@
           <p:cNvPr id="5" name="Footer Placeholder 4">
             <a:extLst>
               <a:ext uri="{FF2B5EF4-FFF2-40B4-BE49-F238E27FC236}">
-                <a16:creationId xmlns:a16="http://schemas.microsoft.com/office/drawing/2014/main" id="{00C1ED12-79E5-AE99-4187-F133512A30C9}"/>
+                <a16:creationId xmlns:a16="http://schemas.microsoft.com/office/drawing/2014/main" id="{4F13A9B5-AE8E-C43F-7DFE-B15F8E8583D7}"/>
               </a:ext>
             </a:extLst>
           </p:cNvPr>
@@ -697,7 +697,7 @@
           <p:cNvPr id="6" name="Slide Number Placeholder 5">
             <a:extLst>
               <a:ext uri="{FF2B5EF4-FFF2-40B4-BE49-F238E27FC236}">
-                <a16:creationId xmlns:a16="http://schemas.microsoft.com/office/drawing/2014/main" id="{3733415C-43D1-0626-F67F-5638E9DB72F4}"/>
+                <a16:creationId xmlns:a16="http://schemas.microsoft.com/office/drawing/2014/main" id="{6A634C8B-7144-81D2-6495-6FC84631B524}"/>
               </a:ext>
             </a:extLst>
           </p:cNvPr>
@@ -713,7 +713,7 @@
           <a:bodyPr/>
           <a:lstStyle/>
           <a:p>
-            <a:fld id="{3F034743-B803-4B0D-AA1B-7DB5E60E783A}" type="slidenum">
+            <a:fld id="{2A86BE8A-1476-4C71-972E-60578CF694FF}" type="slidenum">
               <a:rPr lang="en-US" smtClean="0"/>
               <a:t>‹#›</a:t>
             </a:fld>
@@ -724,7 +724,7 @@
     </p:spTree>
     <p:extLst>
       <p:ext uri="{BB962C8B-B14F-4D97-AF65-F5344CB8AC3E}">
-        <p14:creationId xmlns:p14="http://schemas.microsoft.com/office/powerpoint/2010/main" val="3157745120"/>
+        <p14:creationId xmlns:p14="http://schemas.microsoft.com/office/powerpoint/2010/main" val="698944785"/>
       </p:ext>
     </p:extLst>
   </p:cSld>
@@ -756,7 +756,7 @@
           <p:cNvPr id="2" name="Title 1">
             <a:extLst>
               <a:ext uri="{FF2B5EF4-FFF2-40B4-BE49-F238E27FC236}">
-                <a16:creationId xmlns:a16="http://schemas.microsoft.com/office/drawing/2014/main" id="{3FF8AE58-EB09-476C-D9FB-1C77D9BBEFC7}"/>
+                <a16:creationId xmlns:a16="http://schemas.microsoft.com/office/drawing/2014/main" id="{1D572249-0BFC-249C-DAF0-2AE27C66EDA8}"/>
               </a:ext>
             </a:extLst>
           </p:cNvPr>
@@ -784,7 +784,7 @@
           <p:cNvPr id="3" name="Content Placeholder 2">
             <a:extLst>
               <a:ext uri="{FF2B5EF4-FFF2-40B4-BE49-F238E27FC236}">
-                <a16:creationId xmlns:a16="http://schemas.microsoft.com/office/drawing/2014/main" id="{29A629A1-8F63-CC51-CCE6-31DF2C39CC4D}"/>
+                <a16:creationId xmlns:a16="http://schemas.microsoft.com/office/drawing/2014/main" id="{A15BCF39-F06A-4AB3-40B5-8CAA1AF3A0B9}"/>
               </a:ext>
             </a:extLst>
           </p:cNvPr>
@@ -841,7 +841,7 @@
           <p:cNvPr id="4" name="Date Placeholder 3">
             <a:extLst>
               <a:ext uri="{FF2B5EF4-FFF2-40B4-BE49-F238E27FC236}">
-                <a16:creationId xmlns:a16="http://schemas.microsoft.com/office/drawing/2014/main" id="{CD162D37-328A-C4D3-E717-1F0611B9FDF5}"/>
+                <a16:creationId xmlns:a16="http://schemas.microsoft.com/office/drawing/2014/main" id="{0D08E8CC-ACE3-5D37-96DC-09B54EA6527F}"/>
               </a:ext>
             </a:extLst>
           </p:cNvPr>
@@ -857,7 +857,7 @@
           <a:bodyPr/>
           <a:lstStyle/>
           <a:p>
-            <a:fld id="{56A13A2E-E66E-4EA1-9051-38910238EB6C}" type="datetimeFigureOut">
+            <a:fld id="{41551FA9-5F11-4AB3-B65D-CDBD86D14244}" type="datetimeFigureOut">
               <a:rPr lang="en-US" smtClean="0"/>
               <a:t>3/26/2024</a:t>
             </a:fld>
@@ -870,7 +870,7 @@
           <p:cNvPr id="5" name="Footer Placeholder 4">
             <a:extLst>
               <a:ext uri="{FF2B5EF4-FFF2-40B4-BE49-F238E27FC236}">
-                <a16:creationId xmlns:a16="http://schemas.microsoft.com/office/drawing/2014/main" id="{6FFF01FF-56EC-2CD6-EE7A-BDCCAC3E5B52}"/>
+                <a16:creationId xmlns:a16="http://schemas.microsoft.com/office/drawing/2014/main" id="{810CE4B7-828A-DFEA-0E48-91FBE8C6D855}"/>
               </a:ext>
             </a:extLst>
           </p:cNvPr>
@@ -895,7 +895,7 @@
           <p:cNvPr id="6" name="Slide Number Placeholder 5">
             <a:extLst>
               <a:ext uri="{FF2B5EF4-FFF2-40B4-BE49-F238E27FC236}">
-                <a16:creationId xmlns:a16="http://schemas.microsoft.com/office/drawing/2014/main" id="{6219A3A6-F7D2-52CB-3BDF-186D5C8DF24C}"/>
+                <a16:creationId xmlns:a16="http://schemas.microsoft.com/office/drawing/2014/main" id="{629CB9E5-6A2D-2F09-DDA8-25A0C1127BB8}"/>
               </a:ext>
             </a:extLst>
           </p:cNvPr>
@@ -911,7 +911,7 @@
           <a:bodyPr/>
           <a:lstStyle/>
           <a:p>
-            <a:fld id="{3F034743-B803-4B0D-AA1B-7DB5E60E783A}" type="slidenum">
+            <a:fld id="{2A86BE8A-1476-4C71-972E-60578CF694FF}" type="slidenum">
               <a:rPr lang="en-US" smtClean="0"/>
               <a:t>‹#›</a:t>
             </a:fld>
@@ -922,7 +922,7 @@
     </p:spTree>
     <p:extLst>
       <p:ext uri="{BB962C8B-B14F-4D97-AF65-F5344CB8AC3E}">
-        <p14:creationId xmlns:p14="http://schemas.microsoft.com/office/powerpoint/2010/main" val="3659845893"/>
+        <p14:creationId xmlns:p14="http://schemas.microsoft.com/office/powerpoint/2010/main" val="3492061332"/>
       </p:ext>
     </p:extLst>
   </p:cSld>
@@ -954,7 +954,7 @@
           <p:cNvPr id="2" name="Title 1">
             <a:extLst>
               <a:ext uri="{FF2B5EF4-FFF2-40B4-BE49-F238E27FC236}">
-                <a16:creationId xmlns:a16="http://schemas.microsoft.com/office/drawing/2014/main" id="{F23F958F-0754-148D-2D64-3F80153C240E}"/>
+                <a16:creationId xmlns:a16="http://schemas.microsoft.com/office/drawing/2014/main" id="{2F58DA10-472E-4A04-B016-37FD5EE7E6C2}"/>
               </a:ext>
             </a:extLst>
           </p:cNvPr>
@@ -991,7 +991,7 @@
           <p:cNvPr id="3" name="Text Placeholder 2">
             <a:extLst>
               <a:ext uri="{FF2B5EF4-FFF2-40B4-BE49-F238E27FC236}">
-                <a16:creationId xmlns:a16="http://schemas.microsoft.com/office/drawing/2014/main" id="{BC5BC8E1-6A32-C771-7BE7-AD1AB9DF8C99}"/>
+                <a16:creationId xmlns:a16="http://schemas.microsoft.com/office/drawing/2014/main" id="{44C23880-0A72-014F-7263-F6491DDB937D}"/>
               </a:ext>
             </a:extLst>
           </p:cNvPr>
@@ -1116,7 +1116,7 @@
           <p:cNvPr id="4" name="Date Placeholder 3">
             <a:extLst>
               <a:ext uri="{FF2B5EF4-FFF2-40B4-BE49-F238E27FC236}">
-                <a16:creationId xmlns:a16="http://schemas.microsoft.com/office/drawing/2014/main" id="{AA882B26-6E0D-42FE-4353-F3A58B2A6064}"/>
+                <a16:creationId xmlns:a16="http://schemas.microsoft.com/office/drawing/2014/main" id="{CBC60DAD-A001-B217-5145-EC855C2774DA}"/>
               </a:ext>
             </a:extLst>
           </p:cNvPr>
@@ -1132,7 +1132,7 @@
           <a:bodyPr/>
           <a:lstStyle/>
           <a:p>
-            <a:fld id="{56A13A2E-E66E-4EA1-9051-38910238EB6C}" type="datetimeFigureOut">
+            <a:fld id="{41551FA9-5F11-4AB3-B65D-CDBD86D14244}" type="datetimeFigureOut">
               <a:rPr lang="en-US" smtClean="0"/>
               <a:t>3/26/2024</a:t>
             </a:fld>
@@ -1145,7 +1145,7 @@
           <p:cNvPr id="5" name="Footer Placeholder 4">
             <a:extLst>
               <a:ext uri="{FF2B5EF4-FFF2-40B4-BE49-F238E27FC236}">
-                <a16:creationId xmlns:a16="http://schemas.microsoft.com/office/drawing/2014/main" id="{3C594B5B-7502-ABC4-945C-8876B1B637C6}"/>
+                <a16:creationId xmlns:a16="http://schemas.microsoft.com/office/drawing/2014/main" id="{5AAAA226-20D4-7325-A4C4-FE57DE2ED40D}"/>
               </a:ext>
             </a:extLst>
           </p:cNvPr>
@@ -1170,7 +1170,7 @@
           <p:cNvPr id="6" name="Slide Number Placeholder 5">
             <a:extLst>
               <a:ext uri="{FF2B5EF4-FFF2-40B4-BE49-F238E27FC236}">
-                <a16:creationId xmlns:a16="http://schemas.microsoft.com/office/drawing/2014/main" id="{715B0933-61C6-3330-B1BF-3694F03FCC76}"/>
+                <a16:creationId xmlns:a16="http://schemas.microsoft.com/office/drawing/2014/main" id="{581EF33E-38BB-5BFA-ACE2-D7CC1E44EB07}"/>
               </a:ext>
             </a:extLst>
           </p:cNvPr>
@@ -1186,7 +1186,7 @@
           <a:bodyPr/>
           <a:lstStyle/>
           <a:p>
-            <a:fld id="{3F034743-B803-4B0D-AA1B-7DB5E60E783A}" type="slidenum">
+            <a:fld id="{2A86BE8A-1476-4C71-972E-60578CF694FF}" type="slidenum">
               <a:rPr lang="en-US" smtClean="0"/>
               <a:t>‹#›</a:t>
             </a:fld>
@@ -1197,7 +1197,7 @@
     </p:spTree>
     <p:extLst>
       <p:ext uri="{BB962C8B-B14F-4D97-AF65-F5344CB8AC3E}">
-        <p14:creationId xmlns:p14="http://schemas.microsoft.com/office/powerpoint/2010/main" val="3927665366"/>
+        <p14:creationId xmlns:p14="http://schemas.microsoft.com/office/powerpoint/2010/main" val="2624669188"/>
       </p:ext>
     </p:extLst>
   </p:cSld>
@@ -1229,7 +1229,7 @@
           <p:cNvPr id="2" name="Title 1">
             <a:extLst>
               <a:ext uri="{FF2B5EF4-FFF2-40B4-BE49-F238E27FC236}">
-                <a16:creationId xmlns:a16="http://schemas.microsoft.com/office/drawing/2014/main" id="{E386DAB3-13A7-93E3-30A1-5563C5B8194F}"/>
+                <a16:creationId xmlns:a16="http://schemas.microsoft.com/office/drawing/2014/main" id="{CCC859B7-5948-1CAE-B7B1-374093615EE9}"/>
               </a:ext>
             </a:extLst>
           </p:cNvPr>
@@ -1257,7 +1257,7 @@
           <p:cNvPr id="3" name="Content Placeholder 2">
             <a:extLst>
               <a:ext uri="{FF2B5EF4-FFF2-40B4-BE49-F238E27FC236}">
-                <a16:creationId xmlns:a16="http://schemas.microsoft.com/office/drawing/2014/main" id="{EA8A2A8C-C106-F174-54FF-965498D58A08}"/>
+                <a16:creationId xmlns:a16="http://schemas.microsoft.com/office/drawing/2014/main" id="{0BCEAC82-E1D7-5DFE-872A-DCB131EF201E}"/>
               </a:ext>
             </a:extLst>
           </p:cNvPr>
@@ -1319,7 +1319,7 @@
           <p:cNvPr id="4" name="Content Placeholder 3">
             <a:extLst>
               <a:ext uri="{FF2B5EF4-FFF2-40B4-BE49-F238E27FC236}">
-                <a16:creationId xmlns:a16="http://schemas.microsoft.com/office/drawing/2014/main" id="{4CACF561-3CAB-D774-C81B-8EF601CB2324}"/>
+                <a16:creationId xmlns:a16="http://schemas.microsoft.com/office/drawing/2014/main" id="{4A5AC5E6-91EF-5632-9D24-0D07C88710E0}"/>
               </a:ext>
             </a:extLst>
           </p:cNvPr>
@@ -1381,7 +1381,7 @@
           <p:cNvPr id="5" name="Date Placeholder 4">
             <a:extLst>
               <a:ext uri="{FF2B5EF4-FFF2-40B4-BE49-F238E27FC236}">
-                <a16:creationId xmlns:a16="http://schemas.microsoft.com/office/drawing/2014/main" id="{9C81F70B-C356-2A2F-3269-CE3233BAB610}"/>
+                <a16:creationId xmlns:a16="http://schemas.microsoft.com/office/drawing/2014/main" id="{49888626-5B28-C66E-C1F1-7019DC7201A6}"/>
               </a:ext>
             </a:extLst>
           </p:cNvPr>
@@ -1397,7 +1397,7 @@
           <a:bodyPr/>
           <a:lstStyle/>
           <a:p>
-            <a:fld id="{56A13A2E-E66E-4EA1-9051-38910238EB6C}" type="datetimeFigureOut">
+            <a:fld id="{41551FA9-5F11-4AB3-B65D-CDBD86D14244}" type="datetimeFigureOut">
               <a:rPr lang="en-US" smtClean="0"/>
               <a:t>3/26/2024</a:t>
             </a:fld>
@@ -1410,7 +1410,7 @@
           <p:cNvPr id="6" name="Footer Placeholder 5">
             <a:extLst>
               <a:ext uri="{FF2B5EF4-FFF2-40B4-BE49-F238E27FC236}">
-                <a16:creationId xmlns:a16="http://schemas.microsoft.com/office/drawing/2014/main" id="{E1CAF7D9-F8C8-DE26-00DB-B4779F6A7EDD}"/>
+                <a16:creationId xmlns:a16="http://schemas.microsoft.com/office/drawing/2014/main" id="{8797D0F6-CFB9-C528-7BC1-64F16AE1D31B}"/>
               </a:ext>
             </a:extLst>
           </p:cNvPr>
@@ -1435,7 +1435,7 @@
           <p:cNvPr id="7" name="Slide Number Placeholder 6">
             <a:extLst>
               <a:ext uri="{FF2B5EF4-FFF2-40B4-BE49-F238E27FC236}">
-                <a16:creationId xmlns:a16="http://schemas.microsoft.com/office/drawing/2014/main" id="{282119A2-1D9D-84BE-6C35-A600A24A6D5B}"/>
+                <a16:creationId xmlns:a16="http://schemas.microsoft.com/office/drawing/2014/main" id="{86533B7B-62F4-DA41-67DE-B75098ADEEA0}"/>
               </a:ext>
             </a:extLst>
           </p:cNvPr>
@@ -1451,7 +1451,7 @@
           <a:bodyPr/>
           <a:lstStyle/>
           <a:p>
-            <a:fld id="{3F034743-B803-4B0D-AA1B-7DB5E60E783A}" type="slidenum">
+            <a:fld id="{2A86BE8A-1476-4C71-972E-60578CF694FF}" type="slidenum">
               <a:rPr lang="en-US" smtClean="0"/>
               <a:t>‹#›</a:t>
             </a:fld>
@@ -1462,7 +1462,7 @@
     </p:spTree>
     <p:extLst>
       <p:ext uri="{BB962C8B-B14F-4D97-AF65-F5344CB8AC3E}">
-        <p14:creationId xmlns:p14="http://schemas.microsoft.com/office/powerpoint/2010/main" val="3567202533"/>
+        <p14:creationId xmlns:p14="http://schemas.microsoft.com/office/powerpoint/2010/main" val="1044961922"/>
       </p:ext>
     </p:extLst>
   </p:cSld>
@@ -1494,7 +1494,7 @@
           <p:cNvPr id="2" name="Title 1">
             <a:extLst>
               <a:ext uri="{FF2B5EF4-FFF2-40B4-BE49-F238E27FC236}">
-                <a16:creationId xmlns:a16="http://schemas.microsoft.com/office/drawing/2014/main" id="{715F91BC-D15F-17A9-C75C-F9FA60C3D469}"/>
+                <a16:creationId xmlns:a16="http://schemas.microsoft.com/office/drawing/2014/main" id="{C64DD649-1C8B-B498-780B-A5E6FB461C19}"/>
               </a:ext>
             </a:extLst>
           </p:cNvPr>
@@ -1527,7 +1527,7 @@
           <p:cNvPr id="3" name="Text Placeholder 2">
             <a:extLst>
               <a:ext uri="{FF2B5EF4-FFF2-40B4-BE49-F238E27FC236}">
-                <a16:creationId xmlns:a16="http://schemas.microsoft.com/office/drawing/2014/main" id="{69B3DAC3-9601-95D9-EA05-CF72781A0D46}"/>
+                <a16:creationId xmlns:a16="http://schemas.microsoft.com/office/drawing/2014/main" id="{AF15E9EC-7E65-88DD-C1A8-90CE2A5BFADD}"/>
               </a:ext>
             </a:extLst>
           </p:cNvPr>
@@ -1598,7 +1598,7 @@
           <p:cNvPr id="4" name="Content Placeholder 3">
             <a:extLst>
               <a:ext uri="{FF2B5EF4-FFF2-40B4-BE49-F238E27FC236}">
-                <a16:creationId xmlns:a16="http://schemas.microsoft.com/office/drawing/2014/main" id="{5442044E-AC22-C720-888B-9AA02BC9E79E}"/>
+                <a16:creationId xmlns:a16="http://schemas.microsoft.com/office/drawing/2014/main" id="{A87C2CEB-6133-994F-70EE-8B708A3862E8}"/>
               </a:ext>
             </a:extLst>
           </p:cNvPr>
@@ -1660,7 +1660,7 @@
           <p:cNvPr id="5" name="Text Placeholder 4">
             <a:extLst>
               <a:ext uri="{FF2B5EF4-FFF2-40B4-BE49-F238E27FC236}">
-                <a16:creationId xmlns:a16="http://schemas.microsoft.com/office/drawing/2014/main" id="{45863ADF-7AE8-4B5B-A747-0A46ABF6DDD3}"/>
+                <a16:creationId xmlns:a16="http://schemas.microsoft.com/office/drawing/2014/main" id="{C37F1FDE-94E1-360A-EBD3-AE4988A7C02D}"/>
               </a:ext>
             </a:extLst>
           </p:cNvPr>
@@ -1731,7 +1731,7 @@
           <p:cNvPr id="6" name="Content Placeholder 5">
             <a:extLst>
               <a:ext uri="{FF2B5EF4-FFF2-40B4-BE49-F238E27FC236}">
-                <a16:creationId xmlns:a16="http://schemas.microsoft.com/office/drawing/2014/main" id="{33E7700D-4E94-C814-D68A-7B7CE20AF599}"/>
+                <a16:creationId xmlns:a16="http://schemas.microsoft.com/office/drawing/2014/main" id="{1D366843-996B-3A52-9365-FB724D36C115}"/>
               </a:ext>
             </a:extLst>
           </p:cNvPr>
@@ -1793,7 +1793,7 @@
           <p:cNvPr id="7" name="Date Placeholder 6">
             <a:extLst>
               <a:ext uri="{FF2B5EF4-FFF2-40B4-BE49-F238E27FC236}">
-                <a16:creationId xmlns:a16="http://schemas.microsoft.com/office/drawing/2014/main" id="{03950A90-F809-0633-ADB6-FC9F2C8F348D}"/>
+                <a16:creationId xmlns:a16="http://schemas.microsoft.com/office/drawing/2014/main" id="{C398F80A-3D21-2006-C98C-CC1E6AED14E5}"/>
               </a:ext>
             </a:extLst>
           </p:cNvPr>
@@ -1809,7 +1809,7 @@
           <a:bodyPr/>
           <a:lstStyle/>
           <a:p>
-            <a:fld id="{56A13A2E-E66E-4EA1-9051-38910238EB6C}" type="datetimeFigureOut">
+            <a:fld id="{41551FA9-5F11-4AB3-B65D-CDBD86D14244}" type="datetimeFigureOut">
               <a:rPr lang="en-US" smtClean="0"/>
               <a:t>3/26/2024</a:t>
             </a:fld>
@@ -1822,7 +1822,7 @@
           <p:cNvPr id="8" name="Footer Placeholder 7">
             <a:extLst>
               <a:ext uri="{FF2B5EF4-FFF2-40B4-BE49-F238E27FC236}">
-                <a16:creationId xmlns:a16="http://schemas.microsoft.com/office/drawing/2014/main" id="{A7C09078-0B5C-4DD7-8798-584D410EDB2C}"/>
+                <a16:creationId xmlns:a16="http://schemas.microsoft.com/office/drawing/2014/main" id="{5E5DB0B6-4B3B-E820-3F0B-D4AF52D56D7B}"/>
               </a:ext>
             </a:extLst>
           </p:cNvPr>
@@ -1847,7 +1847,7 @@
           <p:cNvPr id="9" name="Slide Number Placeholder 8">
             <a:extLst>
               <a:ext uri="{FF2B5EF4-FFF2-40B4-BE49-F238E27FC236}">
-                <a16:creationId xmlns:a16="http://schemas.microsoft.com/office/drawing/2014/main" id="{8C90EE81-7CEE-F034-C918-3ADCD73CDC2F}"/>
+                <a16:creationId xmlns:a16="http://schemas.microsoft.com/office/drawing/2014/main" id="{7D309B6B-15B0-E9BF-7095-5EDEB5F1BD44}"/>
               </a:ext>
             </a:extLst>
           </p:cNvPr>
@@ -1863,7 +1863,7 @@
           <a:bodyPr/>
           <a:lstStyle/>
           <a:p>
-            <a:fld id="{3F034743-B803-4B0D-AA1B-7DB5E60E783A}" type="slidenum">
+            <a:fld id="{2A86BE8A-1476-4C71-972E-60578CF694FF}" type="slidenum">
               <a:rPr lang="en-US" smtClean="0"/>
               <a:t>‹#›</a:t>
             </a:fld>
@@ -1874,7 +1874,7 @@
     </p:spTree>
     <p:extLst>
       <p:ext uri="{BB962C8B-B14F-4D97-AF65-F5344CB8AC3E}">
-        <p14:creationId xmlns:p14="http://schemas.microsoft.com/office/powerpoint/2010/main" val="2663738956"/>
+        <p14:creationId xmlns:p14="http://schemas.microsoft.com/office/powerpoint/2010/main" val="2203150624"/>
       </p:ext>
     </p:extLst>
   </p:cSld>
@@ -1906,7 +1906,7 @@
           <p:cNvPr id="2" name="Title 1">
             <a:extLst>
               <a:ext uri="{FF2B5EF4-FFF2-40B4-BE49-F238E27FC236}">
-                <a16:creationId xmlns:a16="http://schemas.microsoft.com/office/drawing/2014/main" id="{C9CB7CA5-E16A-A18E-415A-0A60314BF856}"/>
+                <a16:creationId xmlns:a16="http://schemas.microsoft.com/office/drawing/2014/main" id="{A228DC1A-719B-CDB5-F8FD-CC0ADF109DAB}"/>
               </a:ext>
             </a:extLst>
           </p:cNvPr>
@@ -1934,7 +1934,7 @@
           <p:cNvPr id="3" name="Date Placeholder 2">
             <a:extLst>
               <a:ext uri="{FF2B5EF4-FFF2-40B4-BE49-F238E27FC236}">
-                <a16:creationId xmlns:a16="http://schemas.microsoft.com/office/drawing/2014/main" id="{CD5ED428-8008-6C6D-861A-49BEBA10D76E}"/>
+                <a16:creationId xmlns:a16="http://schemas.microsoft.com/office/drawing/2014/main" id="{F9831C44-FC6C-E08E-D5A9-0AD98D7BAE35}"/>
               </a:ext>
             </a:extLst>
           </p:cNvPr>
@@ -1950,7 +1950,7 @@
           <a:bodyPr/>
           <a:lstStyle/>
           <a:p>
-            <a:fld id="{56A13A2E-E66E-4EA1-9051-38910238EB6C}" type="datetimeFigureOut">
+            <a:fld id="{41551FA9-5F11-4AB3-B65D-CDBD86D14244}" type="datetimeFigureOut">
               <a:rPr lang="en-US" smtClean="0"/>
               <a:t>3/26/2024</a:t>
             </a:fld>
@@ -1963,7 +1963,7 @@
           <p:cNvPr id="4" name="Footer Placeholder 3">
             <a:extLst>
               <a:ext uri="{FF2B5EF4-FFF2-40B4-BE49-F238E27FC236}">
-                <a16:creationId xmlns:a16="http://schemas.microsoft.com/office/drawing/2014/main" id="{56761E16-1C39-9536-8E10-040E425708AD}"/>
+                <a16:creationId xmlns:a16="http://schemas.microsoft.com/office/drawing/2014/main" id="{AECA300D-2308-E812-1BFC-922F05D03F03}"/>
               </a:ext>
             </a:extLst>
           </p:cNvPr>
@@ -1988,7 +1988,7 @@
           <p:cNvPr id="5" name="Slide Number Placeholder 4">
             <a:extLst>
               <a:ext uri="{FF2B5EF4-FFF2-40B4-BE49-F238E27FC236}">
-                <a16:creationId xmlns:a16="http://schemas.microsoft.com/office/drawing/2014/main" id="{146D37A3-3066-67C1-C0B5-06821B656059}"/>
+                <a16:creationId xmlns:a16="http://schemas.microsoft.com/office/drawing/2014/main" id="{3A9B9020-FF9F-5C90-1934-36C5F7979236}"/>
               </a:ext>
             </a:extLst>
           </p:cNvPr>
@@ -2004,7 +2004,7 @@
           <a:bodyPr/>
           <a:lstStyle/>
           <a:p>
-            <a:fld id="{3F034743-B803-4B0D-AA1B-7DB5E60E783A}" type="slidenum">
+            <a:fld id="{2A86BE8A-1476-4C71-972E-60578CF694FF}" type="slidenum">
               <a:rPr lang="en-US" smtClean="0"/>
               <a:t>‹#›</a:t>
             </a:fld>
@@ -2015,7 +2015,7 @@
     </p:spTree>
     <p:extLst>
       <p:ext uri="{BB962C8B-B14F-4D97-AF65-F5344CB8AC3E}">
-        <p14:creationId xmlns:p14="http://schemas.microsoft.com/office/powerpoint/2010/main" val="3688299577"/>
+        <p14:creationId xmlns:p14="http://schemas.microsoft.com/office/powerpoint/2010/main" val="2475674102"/>
       </p:ext>
     </p:extLst>
   </p:cSld>
@@ -2047,7 +2047,7 @@
           <p:cNvPr id="2" name="Date Placeholder 1">
             <a:extLst>
               <a:ext uri="{FF2B5EF4-FFF2-40B4-BE49-F238E27FC236}">
-                <a16:creationId xmlns:a16="http://schemas.microsoft.com/office/drawing/2014/main" id="{3CF63DAD-779F-7AB5-4078-D62B737E1353}"/>
+                <a16:creationId xmlns:a16="http://schemas.microsoft.com/office/drawing/2014/main" id="{2540DB39-ACD9-BC33-A0A7-DC74BA4A59EF}"/>
               </a:ext>
             </a:extLst>
           </p:cNvPr>
@@ -2063,7 +2063,7 @@
           <a:bodyPr/>
           <a:lstStyle/>
           <a:p>
-            <a:fld id="{56A13A2E-E66E-4EA1-9051-38910238EB6C}" type="datetimeFigureOut">
+            <a:fld id="{41551FA9-5F11-4AB3-B65D-CDBD86D14244}" type="datetimeFigureOut">
               <a:rPr lang="en-US" smtClean="0"/>
               <a:t>3/26/2024</a:t>
             </a:fld>
@@ -2076,7 +2076,7 @@
           <p:cNvPr id="3" name="Footer Placeholder 2">
             <a:extLst>
               <a:ext uri="{FF2B5EF4-FFF2-40B4-BE49-F238E27FC236}">
-                <a16:creationId xmlns:a16="http://schemas.microsoft.com/office/drawing/2014/main" id="{A4B98E3C-299D-2EAC-1B1E-7BC4FFDF37D9}"/>
+                <a16:creationId xmlns:a16="http://schemas.microsoft.com/office/drawing/2014/main" id="{7575085F-B0F1-5C89-A253-2FD997691318}"/>
               </a:ext>
             </a:extLst>
           </p:cNvPr>
@@ -2101,7 +2101,7 @@
           <p:cNvPr id="4" name="Slide Number Placeholder 3">
             <a:extLst>
               <a:ext uri="{FF2B5EF4-FFF2-40B4-BE49-F238E27FC236}">
-                <a16:creationId xmlns:a16="http://schemas.microsoft.com/office/drawing/2014/main" id="{4C7FB756-42E7-1557-A331-D3B6F0D28C20}"/>
+                <a16:creationId xmlns:a16="http://schemas.microsoft.com/office/drawing/2014/main" id="{C9B23B2B-17E6-46A5-ED61-A0879DF3C4CF}"/>
               </a:ext>
             </a:extLst>
           </p:cNvPr>
@@ -2117,7 +2117,7 @@
           <a:bodyPr/>
           <a:lstStyle/>
           <a:p>
-            <a:fld id="{3F034743-B803-4B0D-AA1B-7DB5E60E783A}" type="slidenum">
+            <a:fld id="{2A86BE8A-1476-4C71-972E-60578CF694FF}" type="slidenum">
               <a:rPr lang="en-US" smtClean="0"/>
               <a:t>‹#›</a:t>
             </a:fld>
@@ -2128,7 +2128,7 @@
     </p:spTree>
     <p:extLst>
       <p:ext uri="{BB962C8B-B14F-4D97-AF65-F5344CB8AC3E}">
-        <p14:creationId xmlns:p14="http://schemas.microsoft.com/office/powerpoint/2010/main" val="2269664086"/>
+        <p14:creationId xmlns:p14="http://schemas.microsoft.com/office/powerpoint/2010/main" val="1858896087"/>
       </p:ext>
     </p:extLst>
   </p:cSld>
@@ -2160,7 +2160,7 @@
           <p:cNvPr id="2" name="Title 1">
             <a:extLst>
               <a:ext uri="{FF2B5EF4-FFF2-40B4-BE49-F238E27FC236}">
-                <a16:creationId xmlns:a16="http://schemas.microsoft.com/office/drawing/2014/main" id="{EB541936-6548-2B7F-4271-F6C5DCD758AB}"/>
+                <a16:creationId xmlns:a16="http://schemas.microsoft.com/office/drawing/2014/main" id="{38CDD3C3-3360-2357-7101-56927BE9C941}"/>
               </a:ext>
             </a:extLst>
           </p:cNvPr>
@@ -2197,7 +2197,7 @@
           <p:cNvPr id="3" name="Content Placeholder 2">
             <a:extLst>
               <a:ext uri="{FF2B5EF4-FFF2-40B4-BE49-F238E27FC236}">
-                <a16:creationId xmlns:a16="http://schemas.microsoft.com/office/drawing/2014/main" id="{DA7A87B8-72BE-3179-3C84-B3167D8274DB}"/>
+                <a16:creationId xmlns:a16="http://schemas.microsoft.com/office/drawing/2014/main" id="{C63BDB47-FB65-020B-92CE-6F82EC710018}"/>
               </a:ext>
             </a:extLst>
           </p:cNvPr>
@@ -2287,7 +2287,7 @@
           <p:cNvPr id="4" name="Text Placeholder 3">
             <a:extLst>
               <a:ext uri="{FF2B5EF4-FFF2-40B4-BE49-F238E27FC236}">
-                <a16:creationId xmlns:a16="http://schemas.microsoft.com/office/drawing/2014/main" id="{2C16EA78-098D-9972-76F3-087E092853EA}"/>
+                <a16:creationId xmlns:a16="http://schemas.microsoft.com/office/drawing/2014/main" id="{6DA7A848-AE4F-75EA-DA40-64A25141813D}"/>
               </a:ext>
             </a:extLst>
           </p:cNvPr>
@@ -2358,7 +2358,7 @@
           <p:cNvPr id="5" name="Date Placeholder 4">
             <a:extLst>
               <a:ext uri="{FF2B5EF4-FFF2-40B4-BE49-F238E27FC236}">
-                <a16:creationId xmlns:a16="http://schemas.microsoft.com/office/drawing/2014/main" id="{BF71159D-B1F9-E383-AEBC-8F3B8031EBDD}"/>
+                <a16:creationId xmlns:a16="http://schemas.microsoft.com/office/drawing/2014/main" id="{D858FAF1-0D3D-71A0-FC01-3CEB6455A592}"/>
               </a:ext>
             </a:extLst>
           </p:cNvPr>
@@ -2374,7 +2374,7 @@
           <a:bodyPr/>
           <a:lstStyle/>
           <a:p>
-            <a:fld id="{56A13A2E-E66E-4EA1-9051-38910238EB6C}" type="datetimeFigureOut">
+            <a:fld id="{41551FA9-5F11-4AB3-B65D-CDBD86D14244}" type="datetimeFigureOut">
               <a:rPr lang="en-US" smtClean="0"/>
               <a:t>3/26/2024</a:t>
             </a:fld>
@@ -2387,7 +2387,7 @@
           <p:cNvPr id="6" name="Footer Placeholder 5">
             <a:extLst>
               <a:ext uri="{FF2B5EF4-FFF2-40B4-BE49-F238E27FC236}">
-                <a16:creationId xmlns:a16="http://schemas.microsoft.com/office/drawing/2014/main" id="{8CECE392-611F-0B46-9C69-12A7380DBEFE}"/>
+                <a16:creationId xmlns:a16="http://schemas.microsoft.com/office/drawing/2014/main" id="{5BB8D66E-E9AA-94DB-1E7C-B0FD47C7AEB4}"/>
               </a:ext>
             </a:extLst>
           </p:cNvPr>
@@ -2412,7 +2412,7 @@
           <p:cNvPr id="7" name="Slide Number Placeholder 6">
             <a:extLst>
               <a:ext uri="{FF2B5EF4-FFF2-40B4-BE49-F238E27FC236}">
-                <a16:creationId xmlns:a16="http://schemas.microsoft.com/office/drawing/2014/main" id="{9EF54DC8-1C53-895D-E66D-D7A118FFC944}"/>
+                <a16:creationId xmlns:a16="http://schemas.microsoft.com/office/drawing/2014/main" id="{7561D5CF-1068-34B5-524C-C6B0A7C3A2D4}"/>
               </a:ext>
             </a:extLst>
           </p:cNvPr>
@@ -2428,7 +2428,7 @@
           <a:bodyPr/>
           <a:lstStyle/>
           <a:p>
-            <a:fld id="{3F034743-B803-4B0D-AA1B-7DB5E60E783A}" type="slidenum">
+            <a:fld id="{2A86BE8A-1476-4C71-972E-60578CF694FF}" type="slidenum">
               <a:rPr lang="en-US" smtClean="0"/>
               <a:t>‹#›</a:t>
             </a:fld>
@@ -2439,7 +2439,7 @@
     </p:spTree>
     <p:extLst>
       <p:ext uri="{BB962C8B-B14F-4D97-AF65-F5344CB8AC3E}">
-        <p14:creationId xmlns:p14="http://schemas.microsoft.com/office/powerpoint/2010/main" val="733051771"/>
+        <p14:creationId xmlns:p14="http://schemas.microsoft.com/office/powerpoint/2010/main" val="2444680970"/>
       </p:ext>
     </p:extLst>
   </p:cSld>
@@ -2471,7 +2471,7 @@
           <p:cNvPr id="2" name="Title 1">
             <a:extLst>
               <a:ext uri="{FF2B5EF4-FFF2-40B4-BE49-F238E27FC236}">
-                <a16:creationId xmlns:a16="http://schemas.microsoft.com/office/drawing/2014/main" id="{42F06AA0-6497-DE67-D826-9B676D459708}"/>
+                <a16:creationId xmlns:a16="http://schemas.microsoft.com/office/drawing/2014/main" id="{06B58C61-DE3E-53CE-7CA2-53B2F1E1FA8D}"/>
               </a:ext>
             </a:extLst>
           </p:cNvPr>
@@ -2508,7 +2508,7 @@
           <p:cNvPr id="3" name="Picture Placeholder 2">
             <a:extLst>
               <a:ext uri="{FF2B5EF4-FFF2-40B4-BE49-F238E27FC236}">
-                <a16:creationId xmlns:a16="http://schemas.microsoft.com/office/drawing/2014/main" id="{D0365F72-735F-AD04-ADCF-6F949BBB1F54}"/>
+                <a16:creationId xmlns:a16="http://schemas.microsoft.com/office/drawing/2014/main" id="{BEF5E867-1692-5138-E5E0-FA9C8A88CE77}"/>
               </a:ext>
             </a:extLst>
           </p:cNvPr>
@@ -2575,7 +2575,7 @@
           <p:cNvPr id="4" name="Text Placeholder 3">
             <a:extLst>
               <a:ext uri="{FF2B5EF4-FFF2-40B4-BE49-F238E27FC236}">
-                <a16:creationId xmlns:a16="http://schemas.microsoft.com/office/drawing/2014/main" id="{1168CB56-FCD3-DF46-D58E-02C12DD8B1D8}"/>
+                <a16:creationId xmlns:a16="http://schemas.microsoft.com/office/drawing/2014/main" id="{1CFB79ED-3DAE-75E6-EFC3-11D3C7E3F19E}"/>
               </a:ext>
             </a:extLst>
           </p:cNvPr>
@@ -2646,7 +2646,7 @@
           <p:cNvPr id="5" name="Date Placeholder 4">
             <a:extLst>
               <a:ext uri="{FF2B5EF4-FFF2-40B4-BE49-F238E27FC236}">
-                <a16:creationId xmlns:a16="http://schemas.microsoft.com/office/drawing/2014/main" id="{A770091F-2B5C-0B4D-4A16-53420AAC2265}"/>
+                <a16:creationId xmlns:a16="http://schemas.microsoft.com/office/drawing/2014/main" id="{D2A8B9C7-C2B3-E44B-EE5A-649343BE8381}"/>
               </a:ext>
             </a:extLst>
           </p:cNvPr>
@@ -2662,7 +2662,7 @@
           <a:bodyPr/>
           <a:lstStyle/>
           <a:p>
-            <a:fld id="{56A13A2E-E66E-4EA1-9051-38910238EB6C}" type="datetimeFigureOut">
+            <a:fld id="{41551FA9-5F11-4AB3-B65D-CDBD86D14244}" type="datetimeFigureOut">
               <a:rPr lang="en-US" smtClean="0"/>
               <a:t>3/26/2024</a:t>
             </a:fld>
@@ -2675,7 +2675,7 @@
           <p:cNvPr id="6" name="Footer Placeholder 5">
             <a:extLst>
               <a:ext uri="{FF2B5EF4-FFF2-40B4-BE49-F238E27FC236}">
-                <a16:creationId xmlns:a16="http://schemas.microsoft.com/office/drawing/2014/main" id="{6741CFBB-C7B8-E8A2-D2E8-442D4542300C}"/>
+                <a16:creationId xmlns:a16="http://schemas.microsoft.com/office/drawing/2014/main" id="{B790CC17-80F2-1439-1E60-21B2BCC7DA3D}"/>
               </a:ext>
             </a:extLst>
           </p:cNvPr>
@@ -2700,7 +2700,7 @@
           <p:cNvPr id="7" name="Slide Number Placeholder 6">
             <a:extLst>
               <a:ext uri="{FF2B5EF4-FFF2-40B4-BE49-F238E27FC236}">
-                <a16:creationId xmlns:a16="http://schemas.microsoft.com/office/drawing/2014/main" id="{BECB9AF4-D008-BA71-213D-9D24C5AD9856}"/>
+                <a16:creationId xmlns:a16="http://schemas.microsoft.com/office/drawing/2014/main" id="{0F5773BE-EA48-3742-8D55-CA742FCB5DF2}"/>
               </a:ext>
             </a:extLst>
           </p:cNvPr>
@@ -2716,7 +2716,7 @@
           <a:bodyPr/>
           <a:lstStyle/>
           <a:p>
-            <a:fld id="{3F034743-B803-4B0D-AA1B-7DB5E60E783A}" type="slidenum">
+            <a:fld id="{2A86BE8A-1476-4C71-972E-60578CF694FF}" type="slidenum">
               <a:rPr lang="en-US" smtClean="0"/>
               <a:t>‹#›</a:t>
             </a:fld>
@@ -2727,7 +2727,7 @@
     </p:spTree>
     <p:extLst>
       <p:ext uri="{BB962C8B-B14F-4D97-AF65-F5344CB8AC3E}">
-        <p14:creationId xmlns:p14="http://schemas.microsoft.com/office/powerpoint/2010/main" val="1120853457"/>
+        <p14:creationId xmlns:p14="http://schemas.microsoft.com/office/powerpoint/2010/main" val="479719577"/>
       </p:ext>
     </p:extLst>
   </p:cSld>
@@ -2764,7 +2764,7 @@
           <p:cNvPr id="2" name="Title Placeholder 1">
             <a:extLst>
               <a:ext uri="{FF2B5EF4-FFF2-40B4-BE49-F238E27FC236}">
-                <a16:creationId xmlns:a16="http://schemas.microsoft.com/office/drawing/2014/main" id="{DCEB9FB5-8C9E-6723-700D-0F08BB5A5A18}"/>
+                <a16:creationId xmlns:a16="http://schemas.microsoft.com/office/drawing/2014/main" id="{37F3023D-1305-6E47-B737-F83691EA2A54}"/>
               </a:ext>
             </a:extLst>
           </p:cNvPr>
@@ -2802,7 +2802,7 @@
           <p:cNvPr id="3" name="Text Placeholder 2">
             <a:extLst>
               <a:ext uri="{FF2B5EF4-FFF2-40B4-BE49-F238E27FC236}">
-                <a16:creationId xmlns:a16="http://schemas.microsoft.com/office/drawing/2014/main" id="{33AE6A08-1861-E149-609F-835406FFB6E5}"/>
+                <a16:creationId xmlns:a16="http://schemas.microsoft.com/office/drawing/2014/main" id="{579243E4-326E-3B94-CD30-D5B6F2E95625}"/>
               </a:ext>
             </a:extLst>
           </p:cNvPr>
@@ -2869,7 +2869,7 @@
           <p:cNvPr id="4" name="Date Placeholder 3">
             <a:extLst>
               <a:ext uri="{FF2B5EF4-FFF2-40B4-BE49-F238E27FC236}">
-                <a16:creationId xmlns:a16="http://schemas.microsoft.com/office/drawing/2014/main" id="{13B110FC-8197-354A-5208-206E846B72EF}"/>
+                <a16:creationId xmlns:a16="http://schemas.microsoft.com/office/drawing/2014/main" id="{38CE91FF-B896-1B48-0E21-2B4442BB7283}"/>
               </a:ext>
             </a:extLst>
           </p:cNvPr>
@@ -2903,7 +2903,7 @@
             </a:lvl1pPr>
           </a:lstStyle>
           <a:p>
-            <a:fld id="{56A13A2E-E66E-4EA1-9051-38910238EB6C}" type="datetimeFigureOut">
+            <a:fld id="{41551FA9-5F11-4AB3-B65D-CDBD86D14244}" type="datetimeFigureOut">
               <a:rPr lang="en-US" smtClean="0"/>
               <a:t>3/26/2024</a:t>
             </a:fld>
@@ -2916,7 +2916,7 @@
           <p:cNvPr id="5" name="Footer Placeholder 4">
             <a:extLst>
               <a:ext uri="{FF2B5EF4-FFF2-40B4-BE49-F238E27FC236}">
-                <a16:creationId xmlns:a16="http://schemas.microsoft.com/office/drawing/2014/main" id="{C265F07F-722B-90DE-1426-7C983EDEEC39}"/>
+                <a16:creationId xmlns:a16="http://schemas.microsoft.com/office/drawing/2014/main" id="{4FC9DB0A-B2A5-548E-FF01-A8080FFEBFEB}"/>
               </a:ext>
             </a:extLst>
           </p:cNvPr>
@@ -2959,7 +2959,7 @@
           <p:cNvPr id="6" name="Slide Number Placeholder 5">
             <a:extLst>
               <a:ext uri="{FF2B5EF4-FFF2-40B4-BE49-F238E27FC236}">
-                <a16:creationId xmlns:a16="http://schemas.microsoft.com/office/drawing/2014/main" id="{2C3CE1F9-3D8B-F653-41D1-3D7FB0D737EA}"/>
+                <a16:creationId xmlns:a16="http://schemas.microsoft.com/office/drawing/2014/main" id="{78316DF5-9C22-95C4-7A9A-BE9BA8DB82FA}"/>
               </a:ext>
             </a:extLst>
           </p:cNvPr>
@@ -2993,7 +2993,7 @@
             </a:lvl1pPr>
           </a:lstStyle>
           <a:p>
-            <a:fld id="{3F034743-B803-4B0D-AA1B-7DB5E60E783A}" type="slidenum">
+            <a:fld id="{2A86BE8A-1476-4C71-972E-60578CF694FF}" type="slidenum">
               <a:rPr lang="en-US" smtClean="0"/>
               <a:t>‹#›</a:t>
             </a:fld>
@@ -3004,7 +3004,7 @@
     </p:spTree>
     <p:extLst>
       <p:ext uri="{BB962C8B-B14F-4D97-AF65-F5344CB8AC3E}">
-        <p14:creationId xmlns:p14="http://schemas.microsoft.com/office/powerpoint/2010/main" val="1167282506"/>
+        <p14:creationId xmlns:p14="http://schemas.microsoft.com/office/powerpoint/2010/main" val="3949436759"/>
       </p:ext>
     </p:extLst>
   </p:cSld>
@@ -3327,7 +3327,7 @@
           <p:cNvPr id="2" name="Picture 1">
             <a:extLst>
               <a:ext uri="{FF2B5EF4-FFF2-40B4-BE49-F238E27FC236}">
-                <a16:creationId xmlns:a16="http://schemas.microsoft.com/office/drawing/2014/main" id="{DA9CA1AA-B87C-4B59-5204-CB6848A29B81}"/>
+                <a16:creationId xmlns:a16="http://schemas.microsoft.com/office/drawing/2014/main" id="{4AB42AF4-95A5-F5CF-B789-E7D59398C444}"/>
               </a:ext>
             </a:extLst>
           </p:cNvPr>
@@ -3355,7 +3355,7 @@
     </p:spTree>
     <p:extLst>
       <p:ext uri="{BB962C8B-B14F-4D97-AF65-F5344CB8AC3E}">
-        <p14:creationId xmlns:p14="http://schemas.microsoft.com/office/powerpoint/2010/main" val="1679519849"/>
+        <p14:creationId xmlns:p14="http://schemas.microsoft.com/office/powerpoint/2010/main" val="2622018983"/>
       </p:ext>
     </p:extLst>
   </p:cSld>
@@ -3387,7 +3387,7 @@
           <p:cNvPr id="2" name="Picture 1">
             <a:extLst>
               <a:ext uri="{FF2B5EF4-FFF2-40B4-BE49-F238E27FC236}">
-                <a16:creationId xmlns:a16="http://schemas.microsoft.com/office/drawing/2014/main" id="{A9F1120A-8480-5E2A-26E4-1968B6CADBE5}"/>
+                <a16:creationId xmlns:a16="http://schemas.microsoft.com/office/drawing/2014/main" id="{06FCF5D7-B370-799A-5CB2-FAD5E7AC97E2}"/>
               </a:ext>
             </a:extLst>
           </p:cNvPr>
@@ -3415,7 +3415,7 @@
     </p:spTree>
     <p:extLst>
       <p:ext uri="{BB962C8B-B14F-4D97-AF65-F5344CB8AC3E}">
-        <p14:creationId xmlns:p14="http://schemas.microsoft.com/office/powerpoint/2010/main" val="867646842"/>
+        <p14:creationId xmlns:p14="http://schemas.microsoft.com/office/powerpoint/2010/main" val="3255297800"/>
       </p:ext>
     </p:extLst>
   </p:cSld>

--- a/Slides_Maker/Weekly_5s_Review_3262024.pptx
+++ b/Slides_Maker/Weekly_5s_Review_3262024.pptx
@@ -5,8 +5,11 @@
     <p:sldMasterId id="2147483648" r:id="rId1"/>
   </p:sldMasterIdLst>
   <p:sldIdLst>
-    <p:sldId id="257" r:id="rId2"/>
+    <p:sldId id="260" r:id="rId2"/>
     <p:sldId id="256" r:id="rId3"/>
+    <p:sldId id="257" r:id="rId4"/>
+    <p:sldId id="258" r:id="rId5"/>
+    <p:sldId id="259" r:id="rId6"/>
   </p:sldIdLst>
   <p:sldSz cx="12192000" cy="6858000"/>
   <p:notesSz cx="6858000" cy="9144000"/>
@@ -130,7 +133,7 @@
           <p:cNvPr id="2" name="Title 1">
             <a:extLst>
               <a:ext uri="{FF2B5EF4-FFF2-40B4-BE49-F238E27FC236}">
-                <a16:creationId xmlns:a16="http://schemas.microsoft.com/office/drawing/2014/main" id="{142D0C68-33A2-0230-10D8-F5FC8A53A011}"/>
+                <a16:creationId xmlns:a16="http://schemas.microsoft.com/office/drawing/2014/main" id="{F66F0618-58E6-D54E-92B1-056B8C36E2BB}"/>
               </a:ext>
             </a:extLst>
           </p:cNvPr>
@@ -167,7 +170,7 @@
           <p:cNvPr id="3" name="Subtitle 2">
             <a:extLst>
               <a:ext uri="{FF2B5EF4-FFF2-40B4-BE49-F238E27FC236}">
-                <a16:creationId xmlns:a16="http://schemas.microsoft.com/office/drawing/2014/main" id="{ADDE6A90-005F-D648-F3E1-ED245D5F2DAE}"/>
+                <a16:creationId xmlns:a16="http://schemas.microsoft.com/office/drawing/2014/main" id="{DB3792E3-A91B-C02C-F042-90BED35C7C49}"/>
               </a:ext>
             </a:extLst>
           </p:cNvPr>
@@ -237,7 +240,7 @@
           <p:cNvPr id="4" name="Date Placeholder 3">
             <a:extLst>
               <a:ext uri="{FF2B5EF4-FFF2-40B4-BE49-F238E27FC236}">
-                <a16:creationId xmlns:a16="http://schemas.microsoft.com/office/drawing/2014/main" id="{F94E61D3-4283-1E3A-4BCA-E1A960CADE68}"/>
+                <a16:creationId xmlns:a16="http://schemas.microsoft.com/office/drawing/2014/main" id="{1918B0E3-947B-0591-2FE2-8B8F5D32E23D}"/>
               </a:ext>
             </a:extLst>
           </p:cNvPr>
@@ -253,7 +256,7 @@
           <a:bodyPr/>
           <a:lstStyle/>
           <a:p>
-            <a:fld id="{41551FA9-5F11-4AB3-B65D-CDBD86D14244}" type="datetimeFigureOut">
+            <a:fld id="{9C4BC039-76B1-44DB-B686-FEFF01AA4EEF}" type="datetimeFigureOut">
               <a:rPr lang="en-US" smtClean="0"/>
               <a:t>3/26/2024</a:t>
             </a:fld>
@@ -266,7 +269,7 @@
           <p:cNvPr id="5" name="Footer Placeholder 4">
             <a:extLst>
               <a:ext uri="{FF2B5EF4-FFF2-40B4-BE49-F238E27FC236}">
-                <a16:creationId xmlns:a16="http://schemas.microsoft.com/office/drawing/2014/main" id="{AC70D1A0-243B-5B7C-9D0C-96EDDCF20B93}"/>
+                <a16:creationId xmlns:a16="http://schemas.microsoft.com/office/drawing/2014/main" id="{2746A4F0-E589-025A-D09A-3D5428FE8FF7}"/>
               </a:ext>
             </a:extLst>
           </p:cNvPr>
@@ -291,7 +294,7 @@
           <p:cNvPr id="6" name="Slide Number Placeholder 5">
             <a:extLst>
               <a:ext uri="{FF2B5EF4-FFF2-40B4-BE49-F238E27FC236}">
-                <a16:creationId xmlns:a16="http://schemas.microsoft.com/office/drawing/2014/main" id="{0950741F-5969-5750-09F8-630C782D9984}"/>
+                <a16:creationId xmlns:a16="http://schemas.microsoft.com/office/drawing/2014/main" id="{89125E79-A0BE-5693-FCE7-57099B9E1DD3}"/>
               </a:ext>
             </a:extLst>
           </p:cNvPr>
@@ -307,7 +310,7 @@
           <a:bodyPr/>
           <a:lstStyle/>
           <a:p>
-            <a:fld id="{2A86BE8A-1476-4C71-972E-60578CF694FF}" type="slidenum">
+            <a:fld id="{B62CFDF3-2892-4227-AA70-DB2F95AA05CC}" type="slidenum">
               <a:rPr lang="en-US" smtClean="0"/>
               <a:t>‹#›</a:t>
             </a:fld>
@@ -318,7 +321,7 @@
     </p:spTree>
     <p:extLst>
       <p:ext uri="{BB962C8B-B14F-4D97-AF65-F5344CB8AC3E}">
-        <p14:creationId xmlns:p14="http://schemas.microsoft.com/office/powerpoint/2010/main" val="3134547247"/>
+        <p14:creationId xmlns:p14="http://schemas.microsoft.com/office/powerpoint/2010/main" val="3016417112"/>
       </p:ext>
     </p:extLst>
   </p:cSld>
@@ -350,7 +353,7 @@
           <p:cNvPr id="2" name="Title 1">
             <a:extLst>
               <a:ext uri="{FF2B5EF4-FFF2-40B4-BE49-F238E27FC236}">
-                <a16:creationId xmlns:a16="http://schemas.microsoft.com/office/drawing/2014/main" id="{483EDC8F-E819-897D-7DC2-F7FF5978EFC3}"/>
+                <a16:creationId xmlns:a16="http://schemas.microsoft.com/office/drawing/2014/main" id="{C66E4AD0-5896-A1BB-2437-C63BD7B07B24}"/>
               </a:ext>
             </a:extLst>
           </p:cNvPr>
@@ -378,7 +381,7 @@
           <p:cNvPr id="3" name="Vertical Text Placeholder 2">
             <a:extLst>
               <a:ext uri="{FF2B5EF4-FFF2-40B4-BE49-F238E27FC236}">
-                <a16:creationId xmlns:a16="http://schemas.microsoft.com/office/drawing/2014/main" id="{A099C558-5D3E-A346-9F7B-B367C5DC421A}"/>
+                <a16:creationId xmlns:a16="http://schemas.microsoft.com/office/drawing/2014/main" id="{B45717E4-A351-E6C7-81CD-59AFDDAF9EAA}"/>
               </a:ext>
             </a:extLst>
           </p:cNvPr>
@@ -435,7 +438,7 @@
           <p:cNvPr id="4" name="Date Placeholder 3">
             <a:extLst>
               <a:ext uri="{FF2B5EF4-FFF2-40B4-BE49-F238E27FC236}">
-                <a16:creationId xmlns:a16="http://schemas.microsoft.com/office/drawing/2014/main" id="{008604DD-79D4-23FB-1440-967A0760D96A}"/>
+                <a16:creationId xmlns:a16="http://schemas.microsoft.com/office/drawing/2014/main" id="{A59D6B32-508A-C0F5-A187-894C1BE89F28}"/>
               </a:ext>
             </a:extLst>
           </p:cNvPr>
@@ -451,7 +454,7 @@
           <a:bodyPr/>
           <a:lstStyle/>
           <a:p>
-            <a:fld id="{41551FA9-5F11-4AB3-B65D-CDBD86D14244}" type="datetimeFigureOut">
+            <a:fld id="{9C4BC039-76B1-44DB-B686-FEFF01AA4EEF}" type="datetimeFigureOut">
               <a:rPr lang="en-US" smtClean="0"/>
               <a:t>3/26/2024</a:t>
             </a:fld>
@@ -464,7 +467,7 @@
           <p:cNvPr id="5" name="Footer Placeholder 4">
             <a:extLst>
               <a:ext uri="{FF2B5EF4-FFF2-40B4-BE49-F238E27FC236}">
-                <a16:creationId xmlns:a16="http://schemas.microsoft.com/office/drawing/2014/main" id="{ACDAD0E2-322A-85B7-3E11-30BBC94B03D5}"/>
+                <a16:creationId xmlns:a16="http://schemas.microsoft.com/office/drawing/2014/main" id="{7EFF5BB6-6FA6-B385-9F64-8B21057349D7}"/>
               </a:ext>
             </a:extLst>
           </p:cNvPr>
@@ -489,7 +492,7 @@
           <p:cNvPr id="6" name="Slide Number Placeholder 5">
             <a:extLst>
               <a:ext uri="{FF2B5EF4-FFF2-40B4-BE49-F238E27FC236}">
-                <a16:creationId xmlns:a16="http://schemas.microsoft.com/office/drawing/2014/main" id="{B1EBAB8F-FD59-254C-DF79-C7E0238C43AB}"/>
+                <a16:creationId xmlns:a16="http://schemas.microsoft.com/office/drawing/2014/main" id="{96BA06C4-8DD4-A54F-8F5B-4E275A4664D4}"/>
               </a:ext>
             </a:extLst>
           </p:cNvPr>
@@ -505,7 +508,7 @@
           <a:bodyPr/>
           <a:lstStyle/>
           <a:p>
-            <a:fld id="{2A86BE8A-1476-4C71-972E-60578CF694FF}" type="slidenum">
+            <a:fld id="{B62CFDF3-2892-4227-AA70-DB2F95AA05CC}" type="slidenum">
               <a:rPr lang="en-US" smtClean="0"/>
               <a:t>‹#›</a:t>
             </a:fld>
@@ -516,7 +519,7 @@
     </p:spTree>
     <p:extLst>
       <p:ext uri="{BB962C8B-B14F-4D97-AF65-F5344CB8AC3E}">
-        <p14:creationId xmlns:p14="http://schemas.microsoft.com/office/powerpoint/2010/main" val="70003703"/>
+        <p14:creationId xmlns:p14="http://schemas.microsoft.com/office/powerpoint/2010/main" val="972654774"/>
       </p:ext>
     </p:extLst>
   </p:cSld>
@@ -548,7 +551,7 @@
           <p:cNvPr id="2" name="Vertical Title 1">
             <a:extLst>
               <a:ext uri="{FF2B5EF4-FFF2-40B4-BE49-F238E27FC236}">
-                <a16:creationId xmlns:a16="http://schemas.microsoft.com/office/drawing/2014/main" id="{699FAD12-92CB-7474-C3C7-EE1854827BED}"/>
+                <a16:creationId xmlns:a16="http://schemas.microsoft.com/office/drawing/2014/main" id="{1CCAB28B-21C8-2FB8-336F-196B990368F7}"/>
               </a:ext>
             </a:extLst>
           </p:cNvPr>
@@ -581,7 +584,7 @@
           <p:cNvPr id="3" name="Vertical Text Placeholder 2">
             <a:extLst>
               <a:ext uri="{FF2B5EF4-FFF2-40B4-BE49-F238E27FC236}">
-                <a16:creationId xmlns:a16="http://schemas.microsoft.com/office/drawing/2014/main" id="{326A04C8-1108-A189-EB36-6E852E6C1691}"/>
+                <a16:creationId xmlns:a16="http://schemas.microsoft.com/office/drawing/2014/main" id="{D33C34DD-34F2-D677-7BE2-1BE454E44103}"/>
               </a:ext>
             </a:extLst>
           </p:cNvPr>
@@ -643,7 +646,7 @@
           <p:cNvPr id="4" name="Date Placeholder 3">
             <a:extLst>
               <a:ext uri="{FF2B5EF4-FFF2-40B4-BE49-F238E27FC236}">
-                <a16:creationId xmlns:a16="http://schemas.microsoft.com/office/drawing/2014/main" id="{43F47FB5-E1DF-640A-B5E3-ADD3793FF109}"/>
+                <a16:creationId xmlns:a16="http://schemas.microsoft.com/office/drawing/2014/main" id="{9549483C-F4B2-5FB2-8681-715AB0843153}"/>
               </a:ext>
             </a:extLst>
           </p:cNvPr>
@@ -659,7 +662,7 @@
           <a:bodyPr/>
           <a:lstStyle/>
           <a:p>
-            <a:fld id="{41551FA9-5F11-4AB3-B65D-CDBD86D14244}" type="datetimeFigureOut">
+            <a:fld id="{9C4BC039-76B1-44DB-B686-FEFF01AA4EEF}" type="datetimeFigureOut">
               <a:rPr lang="en-US" smtClean="0"/>
               <a:t>3/26/2024</a:t>
             </a:fld>
@@ -672,7 +675,7 @@
           <p:cNvPr id="5" name="Footer Placeholder 4">
             <a:extLst>
               <a:ext uri="{FF2B5EF4-FFF2-40B4-BE49-F238E27FC236}">
-                <a16:creationId xmlns:a16="http://schemas.microsoft.com/office/drawing/2014/main" id="{4F13A9B5-AE8E-C43F-7DFE-B15F8E8583D7}"/>
+                <a16:creationId xmlns:a16="http://schemas.microsoft.com/office/drawing/2014/main" id="{3FE236E2-1A56-1EDC-AA09-608E9BDAF953}"/>
               </a:ext>
             </a:extLst>
           </p:cNvPr>
@@ -697,7 +700,7 @@
           <p:cNvPr id="6" name="Slide Number Placeholder 5">
             <a:extLst>
               <a:ext uri="{FF2B5EF4-FFF2-40B4-BE49-F238E27FC236}">
-                <a16:creationId xmlns:a16="http://schemas.microsoft.com/office/drawing/2014/main" id="{6A634C8B-7144-81D2-6495-6FC84631B524}"/>
+                <a16:creationId xmlns:a16="http://schemas.microsoft.com/office/drawing/2014/main" id="{125C0D39-8C67-77D6-83B1-88FBCCD40013}"/>
               </a:ext>
             </a:extLst>
           </p:cNvPr>
@@ -713,7 +716,7 @@
           <a:bodyPr/>
           <a:lstStyle/>
           <a:p>
-            <a:fld id="{2A86BE8A-1476-4C71-972E-60578CF694FF}" type="slidenum">
+            <a:fld id="{B62CFDF3-2892-4227-AA70-DB2F95AA05CC}" type="slidenum">
               <a:rPr lang="en-US" smtClean="0"/>
               <a:t>‹#›</a:t>
             </a:fld>
@@ -724,7 +727,7 @@
     </p:spTree>
     <p:extLst>
       <p:ext uri="{BB962C8B-B14F-4D97-AF65-F5344CB8AC3E}">
-        <p14:creationId xmlns:p14="http://schemas.microsoft.com/office/powerpoint/2010/main" val="698944785"/>
+        <p14:creationId xmlns:p14="http://schemas.microsoft.com/office/powerpoint/2010/main" val="606021607"/>
       </p:ext>
     </p:extLst>
   </p:cSld>
@@ -756,7 +759,7 @@
           <p:cNvPr id="2" name="Title 1">
             <a:extLst>
               <a:ext uri="{FF2B5EF4-FFF2-40B4-BE49-F238E27FC236}">
-                <a16:creationId xmlns:a16="http://schemas.microsoft.com/office/drawing/2014/main" id="{1D572249-0BFC-249C-DAF0-2AE27C66EDA8}"/>
+                <a16:creationId xmlns:a16="http://schemas.microsoft.com/office/drawing/2014/main" id="{62816E00-D8E7-91C0-6B6E-2F3FED2C4D2B}"/>
               </a:ext>
             </a:extLst>
           </p:cNvPr>
@@ -784,7 +787,7 @@
           <p:cNvPr id="3" name="Content Placeholder 2">
             <a:extLst>
               <a:ext uri="{FF2B5EF4-FFF2-40B4-BE49-F238E27FC236}">
-                <a16:creationId xmlns:a16="http://schemas.microsoft.com/office/drawing/2014/main" id="{A15BCF39-F06A-4AB3-40B5-8CAA1AF3A0B9}"/>
+                <a16:creationId xmlns:a16="http://schemas.microsoft.com/office/drawing/2014/main" id="{1EAEC5F1-731D-9D10-4618-E73FE36C2B48}"/>
               </a:ext>
             </a:extLst>
           </p:cNvPr>
@@ -841,7 +844,7 @@
           <p:cNvPr id="4" name="Date Placeholder 3">
             <a:extLst>
               <a:ext uri="{FF2B5EF4-FFF2-40B4-BE49-F238E27FC236}">
-                <a16:creationId xmlns:a16="http://schemas.microsoft.com/office/drawing/2014/main" id="{0D08E8CC-ACE3-5D37-96DC-09B54EA6527F}"/>
+                <a16:creationId xmlns:a16="http://schemas.microsoft.com/office/drawing/2014/main" id="{548CF1AF-6EBC-7E29-855A-AB743C3E95F4}"/>
               </a:ext>
             </a:extLst>
           </p:cNvPr>
@@ -857,7 +860,7 @@
           <a:bodyPr/>
           <a:lstStyle/>
           <a:p>
-            <a:fld id="{41551FA9-5F11-4AB3-B65D-CDBD86D14244}" type="datetimeFigureOut">
+            <a:fld id="{9C4BC039-76B1-44DB-B686-FEFF01AA4EEF}" type="datetimeFigureOut">
               <a:rPr lang="en-US" smtClean="0"/>
               <a:t>3/26/2024</a:t>
             </a:fld>
@@ -870,7 +873,7 @@
           <p:cNvPr id="5" name="Footer Placeholder 4">
             <a:extLst>
               <a:ext uri="{FF2B5EF4-FFF2-40B4-BE49-F238E27FC236}">
-                <a16:creationId xmlns:a16="http://schemas.microsoft.com/office/drawing/2014/main" id="{810CE4B7-828A-DFEA-0E48-91FBE8C6D855}"/>
+                <a16:creationId xmlns:a16="http://schemas.microsoft.com/office/drawing/2014/main" id="{846F1327-9112-03FF-9775-FDDE4623F84E}"/>
               </a:ext>
             </a:extLst>
           </p:cNvPr>
@@ -895,7 +898,7 @@
           <p:cNvPr id="6" name="Slide Number Placeholder 5">
             <a:extLst>
               <a:ext uri="{FF2B5EF4-FFF2-40B4-BE49-F238E27FC236}">
-                <a16:creationId xmlns:a16="http://schemas.microsoft.com/office/drawing/2014/main" id="{629CB9E5-6A2D-2F09-DDA8-25A0C1127BB8}"/>
+                <a16:creationId xmlns:a16="http://schemas.microsoft.com/office/drawing/2014/main" id="{750FA6A1-B386-EC17-48E9-2362F0FC91F9}"/>
               </a:ext>
             </a:extLst>
           </p:cNvPr>
@@ -911,7 +914,7 @@
           <a:bodyPr/>
           <a:lstStyle/>
           <a:p>
-            <a:fld id="{2A86BE8A-1476-4C71-972E-60578CF694FF}" type="slidenum">
+            <a:fld id="{B62CFDF3-2892-4227-AA70-DB2F95AA05CC}" type="slidenum">
               <a:rPr lang="en-US" smtClean="0"/>
               <a:t>‹#›</a:t>
             </a:fld>
@@ -922,7 +925,7 @@
     </p:spTree>
     <p:extLst>
       <p:ext uri="{BB962C8B-B14F-4D97-AF65-F5344CB8AC3E}">
-        <p14:creationId xmlns:p14="http://schemas.microsoft.com/office/powerpoint/2010/main" val="3492061332"/>
+        <p14:creationId xmlns:p14="http://schemas.microsoft.com/office/powerpoint/2010/main" val="3236245764"/>
       </p:ext>
     </p:extLst>
   </p:cSld>
@@ -954,7 +957,7 @@
           <p:cNvPr id="2" name="Title 1">
             <a:extLst>
               <a:ext uri="{FF2B5EF4-FFF2-40B4-BE49-F238E27FC236}">
-                <a16:creationId xmlns:a16="http://schemas.microsoft.com/office/drawing/2014/main" id="{2F58DA10-472E-4A04-B016-37FD5EE7E6C2}"/>
+                <a16:creationId xmlns:a16="http://schemas.microsoft.com/office/drawing/2014/main" id="{F7A78E27-B497-772D-618C-6A526BC8836E}"/>
               </a:ext>
             </a:extLst>
           </p:cNvPr>
@@ -991,7 +994,7 @@
           <p:cNvPr id="3" name="Text Placeholder 2">
             <a:extLst>
               <a:ext uri="{FF2B5EF4-FFF2-40B4-BE49-F238E27FC236}">
-                <a16:creationId xmlns:a16="http://schemas.microsoft.com/office/drawing/2014/main" id="{44C23880-0A72-014F-7263-F6491DDB937D}"/>
+                <a16:creationId xmlns:a16="http://schemas.microsoft.com/office/drawing/2014/main" id="{2A949B90-A255-6CF1-DD1C-1BA3542E4D8A}"/>
               </a:ext>
             </a:extLst>
           </p:cNvPr>
@@ -1116,7 +1119,7 @@
           <p:cNvPr id="4" name="Date Placeholder 3">
             <a:extLst>
               <a:ext uri="{FF2B5EF4-FFF2-40B4-BE49-F238E27FC236}">
-                <a16:creationId xmlns:a16="http://schemas.microsoft.com/office/drawing/2014/main" id="{CBC60DAD-A001-B217-5145-EC855C2774DA}"/>
+                <a16:creationId xmlns:a16="http://schemas.microsoft.com/office/drawing/2014/main" id="{291E79B6-D7C9-6341-03AF-04615671D2FC}"/>
               </a:ext>
             </a:extLst>
           </p:cNvPr>
@@ -1132,7 +1135,7 @@
           <a:bodyPr/>
           <a:lstStyle/>
           <a:p>
-            <a:fld id="{41551FA9-5F11-4AB3-B65D-CDBD86D14244}" type="datetimeFigureOut">
+            <a:fld id="{9C4BC039-76B1-44DB-B686-FEFF01AA4EEF}" type="datetimeFigureOut">
               <a:rPr lang="en-US" smtClean="0"/>
               <a:t>3/26/2024</a:t>
             </a:fld>
@@ -1145,7 +1148,7 @@
           <p:cNvPr id="5" name="Footer Placeholder 4">
             <a:extLst>
               <a:ext uri="{FF2B5EF4-FFF2-40B4-BE49-F238E27FC236}">
-                <a16:creationId xmlns:a16="http://schemas.microsoft.com/office/drawing/2014/main" id="{5AAAA226-20D4-7325-A4C4-FE57DE2ED40D}"/>
+                <a16:creationId xmlns:a16="http://schemas.microsoft.com/office/drawing/2014/main" id="{CF42F1D0-3374-D65B-10EE-C8B1E00A0F9B}"/>
               </a:ext>
             </a:extLst>
           </p:cNvPr>
@@ -1170,7 +1173,7 @@
           <p:cNvPr id="6" name="Slide Number Placeholder 5">
             <a:extLst>
               <a:ext uri="{FF2B5EF4-FFF2-40B4-BE49-F238E27FC236}">
-                <a16:creationId xmlns:a16="http://schemas.microsoft.com/office/drawing/2014/main" id="{581EF33E-38BB-5BFA-ACE2-D7CC1E44EB07}"/>
+                <a16:creationId xmlns:a16="http://schemas.microsoft.com/office/drawing/2014/main" id="{4E7B2EF3-E224-933F-4854-BA5BCCE210F1}"/>
               </a:ext>
             </a:extLst>
           </p:cNvPr>
@@ -1186,7 +1189,7 @@
           <a:bodyPr/>
           <a:lstStyle/>
           <a:p>
-            <a:fld id="{2A86BE8A-1476-4C71-972E-60578CF694FF}" type="slidenum">
+            <a:fld id="{B62CFDF3-2892-4227-AA70-DB2F95AA05CC}" type="slidenum">
               <a:rPr lang="en-US" smtClean="0"/>
               <a:t>‹#›</a:t>
             </a:fld>
@@ -1197,7 +1200,7 @@
     </p:spTree>
     <p:extLst>
       <p:ext uri="{BB962C8B-B14F-4D97-AF65-F5344CB8AC3E}">
-        <p14:creationId xmlns:p14="http://schemas.microsoft.com/office/powerpoint/2010/main" val="2624669188"/>
+        <p14:creationId xmlns:p14="http://schemas.microsoft.com/office/powerpoint/2010/main" val="1945238367"/>
       </p:ext>
     </p:extLst>
   </p:cSld>
@@ -1229,7 +1232,7 @@
           <p:cNvPr id="2" name="Title 1">
             <a:extLst>
               <a:ext uri="{FF2B5EF4-FFF2-40B4-BE49-F238E27FC236}">
-                <a16:creationId xmlns:a16="http://schemas.microsoft.com/office/drawing/2014/main" id="{CCC859B7-5948-1CAE-B7B1-374093615EE9}"/>
+                <a16:creationId xmlns:a16="http://schemas.microsoft.com/office/drawing/2014/main" id="{6CC916AA-0D05-3248-033B-DB364E693CE1}"/>
               </a:ext>
             </a:extLst>
           </p:cNvPr>
@@ -1257,7 +1260,7 @@
           <p:cNvPr id="3" name="Content Placeholder 2">
             <a:extLst>
               <a:ext uri="{FF2B5EF4-FFF2-40B4-BE49-F238E27FC236}">
-                <a16:creationId xmlns:a16="http://schemas.microsoft.com/office/drawing/2014/main" id="{0BCEAC82-E1D7-5DFE-872A-DCB131EF201E}"/>
+                <a16:creationId xmlns:a16="http://schemas.microsoft.com/office/drawing/2014/main" id="{988381C4-DD2B-1F41-44AA-75A0C4CCF47F}"/>
               </a:ext>
             </a:extLst>
           </p:cNvPr>
@@ -1319,7 +1322,7 @@
           <p:cNvPr id="4" name="Content Placeholder 3">
             <a:extLst>
               <a:ext uri="{FF2B5EF4-FFF2-40B4-BE49-F238E27FC236}">
-                <a16:creationId xmlns:a16="http://schemas.microsoft.com/office/drawing/2014/main" id="{4A5AC5E6-91EF-5632-9D24-0D07C88710E0}"/>
+                <a16:creationId xmlns:a16="http://schemas.microsoft.com/office/drawing/2014/main" id="{8EACFD25-19BC-641A-DA0E-21F5AEFD29F6}"/>
               </a:ext>
             </a:extLst>
           </p:cNvPr>
@@ -1381,7 +1384,7 @@
           <p:cNvPr id="5" name="Date Placeholder 4">
             <a:extLst>
               <a:ext uri="{FF2B5EF4-FFF2-40B4-BE49-F238E27FC236}">
-                <a16:creationId xmlns:a16="http://schemas.microsoft.com/office/drawing/2014/main" id="{49888626-5B28-C66E-C1F1-7019DC7201A6}"/>
+                <a16:creationId xmlns:a16="http://schemas.microsoft.com/office/drawing/2014/main" id="{E063C71F-D72E-D653-9A86-E87C69C4AB34}"/>
               </a:ext>
             </a:extLst>
           </p:cNvPr>
@@ -1397,7 +1400,7 @@
           <a:bodyPr/>
           <a:lstStyle/>
           <a:p>
-            <a:fld id="{41551FA9-5F11-4AB3-B65D-CDBD86D14244}" type="datetimeFigureOut">
+            <a:fld id="{9C4BC039-76B1-44DB-B686-FEFF01AA4EEF}" type="datetimeFigureOut">
               <a:rPr lang="en-US" smtClean="0"/>
               <a:t>3/26/2024</a:t>
             </a:fld>
@@ -1410,7 +1413,7 @@
           <p:cNvPr id="6" name="Footer Placeholder 5">
             <a:extLst>
               <a:ext uri="{FF2B5EF4-FFF2-40B4-BE49-F238E27FC236}">
-                <a16:creationId xmlns:a16="http://schemas.microsoft.com/office/drawing/2014/main" id="{8797D0F6-CFB9-C528-7BC1-64F16AE1D31B}"/>
+                <a16:creationId xmlns:a16="http://schemas.microsoft.com/office/drawing/2014/main" id="{A0D43DD4-1FEC-8716-3423-BF9B615F38AB}"/>
               </a:ext>
             </a:extLst>
           </p:cNvPr>
@@ -1435,7 +1438,7 @@
           <p:cNvPr id="7" name="Slide Number Placeholder 6">
             <a:extLst>
               <a:ext uri="{FF2B5EF4-FFF2-40B4-BE49-F238E27FC236}">
-                <a16:creationId xmlns:a16="http://schemas.microsoft.com/office/drawing/2014/main" id="{86533B7B-62F4-DA41-67DE-B75098ADEEA0}"/>
+                <a16:creationId xmlns:a16="http://schemas.microsoft.com/office/drawing/2014/main" id="{AFA054A6-68F2-B30E-EB93-91D312C853AE}"/>
               </a:ext>
             </a:extLst>
           </p:cNvPr>
@@ -1451,7 +1454,7 @@
           <a:bodyPr/>
           <a:lstStyle/>
           <a:p>
-            <a:fld id="{2A86BE8A-1476-4C71-972E-60578CF694FF}" type="slidenum">
+            <a:fld id="{B62CFDF3-2892-4227-AA70-DB2F95AA05CC}" type="slidenum">
               <a:rPr lang="en-US" smtClean="0"/>
               <a:t>‹#›</a:t>
             </a:fld>
@@ -1462,7 +1465,7 @@
     </p:spTree>
     <p:extLst>
       <p:ext uri="{BB962C8B-B14F-4D97-AF65-F5344CB8AC3E}">
-        <p14:creationId xmlns:p14="http://schemas.microsoft.com/office/powerpoint/2010/main" val="1044961922"/>
+        <p14:creationId xmlns:p14="http://schemas.microsoft.com/office/powerpoint/2010/main" val="431404853"/>
       </p:ext>
     </p:extLst>
   </p:cSld>
@@ -1494,7 +1497,7 @@
           <p:cNvPr id="2" name="Title 1">
             <a:extLst>
               <a:ext uri="{FF2B5EF4-FFF2-40B4-BE49-F238E27FC236}">
-                <a16:creationId xmlns:a16="http://schemas.microsoft.com/office/drawing/2014/main" id="{C64DD649-1C8B-B498-780B-A5E6FB461C19}"/>
+                <a16:creationId xmlns:a16="http://schemas.microsoft.com/office/drawing/2014/main" id="{5A0BD94D-66E1-3E65-1B40-A7D38429D598}"/>
               </a:ext>
             </a:extLst>
           </p:cNvPr>
@@ -1527,7 +1530,7 @@
           <p:cNvPr id="3" name="Text Placeholder 2">
             <a:extLst>
               <a:ext uri="{FF2B5EF4-FFF2-40B4-BE49-F238E27FC236}">
-                <a16:creationId xmlns:a16="http://schemas.microsoft.com/office/drawing/2014/main" id="{AF15E9EC-7E65-88DD-C1A8-90CE2A5BFADD}"/>
+                <a16:creationId xmlns:a16="http://schemas.microsoft.com/office/drawing/2014/main" id="{D61DF216-4C76-F48B-8D0E-4E77449B0F81}"/>
               </a:ext>
             </a:extLst>
           </p:cNvPr>
@@ -1598,7 +1601,7 @@
           <p:cNvPr id="4" name="Content Placeholder 3">
             <a:extLst>
               <a:ext uri="{FF2B5EF4-FFF2-40B4-BE49-F238E27FC236}">
-                <a16:creationId xmlns:a16="http://schemas.microsoft.com/office/drawing/2014/main" id="{A87C2CEB-6133-994F-70EE-8B708A3862E8}"/>
+                <a16:creationId xmlns:a16="http://schemas.microsoft.com/office/drawing/2014/main" id="{151B3F94-EA20-5055-2A5F-7CF8703723C6}"/>
               </a:ext>
             </a:extLst>
           </p:cNvPr>
@@ -1660,7 +1663,7 @@
           <p:cNvPr id="5" name="Text Placeholder 4">
             <a:extLst>
               <a:ext uri="{FF2B5EF4-FFF2-40B4-BE49-F238E27FC236}">
-                <a16:creationId xmlns:a16="http://schemas.microsoft.com/office/drawing/2014/main" id="{C37F1FDE-94E1-360A-EBD3-AE4988A7C02D}"/>
+                <a16:creationId xmlns:a16="http://schemas.microsoft.com/office/drawing/2014/main" id="{210D20CC-BDDD-7312-9108-DD6B931FB6B8}"/>
               </a:ext>
             </a:extLst>
           </p:cNvPr>
@@ -1731,7 +1734,7 @@
           <p:cNvPr id="6" name="Content Placeholder 5">
             <a:extLst>
               <a:ext uri="{FF2B5EF4-FFF2-40B4-BE49-F238E27FC236}">
-                <a16:creationId xmlns:a16="http://schemas.microsoft.com/office/drawing/2014/main" id="{1D366843-996B-3A52-9365-FB724D36C115}"/>
+                <a16:creationId xmlns:a16="http://schemas.microsoft.com/office/drawing/2014/main" id="{F5749962-702F-5662-647B-51793C94DE05}"/>
               </a:ext>
             </a:extLst>
           </p:cNvPr>
@@ -1793,7 +1796,7 @@
           <p:cNvPr id="7" name="Date Placeholder 6">
             <a:extLst>
               <a:ext uri="{FF2B5EF4-FFF2-40B4-BE49-F238E27FC236}">
-                <a16:creationId xmlns:a16="http://schemas.microsoft.com/office/drawing/2014/main" id="{C398F80A-3D21-2006-C98C-CC1E6AED14E5}"/>
+                <a16:creationId xmlns:a16="http://schemas.microsoft.com/office/drawing/2014/main" id="{4F5BA87E-C75E-58F8-81E7-3AEB4971407F}"/>
               </a:ext>
             </a:extLst>
           </p:cNvPr>
@@ -1809,7 +1812,7 @@
           <a:bodyPr/>
           <a:lstStyle/>
           <a:p>
-            <a:fld id="{41551FA9-5F11-4AB3-B65D-CDBD86D14244}" type="datetimeFigureOut">
+            <a:fld id="{9C4BC039-76B1-44DB-B686-FEFF01AA4EEF}" type="datetimeFigureOut">
               <a:rPr lang="en-US" smtClean="0"/>
               <a:t>3/26/2024</a:t>
             </a:fld>
@@ -1822,7 +1825,7 @@
           <p:cNvPr id="8" name="Footer Placeholder 7">
             <a:extLst>
               <a:ext uri="{FF2B5EF4-FFF2-40B4-BE49-F238E27FC236}">
-                <a16:creationId xmlns:a16="http://schemas.microsoft.com/office/drawing/2014/main" id="{5E5DB0B6-4B3B-E820-3F0B-D4AF52D56D7B}"/>
+                <a16:creationId xmlns:a16="http://schemas.microsoft.com/office/drawing/2014/main" id="{8D9A5912-DEBE-BEC5-29B1-313DCC5B80A5}"/>
               </a:ext>
             </a:extLst>
           </p:cNvPr>
@@ -1847,7 +1850,7 @@
           <p:cNvPr id="9" name="Slide Number Placeholder 8">
             <a:extLst>
               <a:ext uri="{FF2B5EF4-FFF2-40B4-BE49-F238E27FC236}">
-                <a16:creationId xmlns:a16="http://schemas.microsoft.com/office/drawing/2014/main" id="{7D309B6B-15B0-E9BF-7095-5EDEB5F1BD44}"/>
+                <a16:creationId xmlns:a16="http://schemas.microsoft.com/office/drawing/2014/main" id="{08CB70B9-5228-7C12-D13F-72DFD49A1154}"/>
               </a:ext>
             </a:extLst>
           </p:cNvPr>
@@ -1863,7 +1866,7 @@
           <a:bodyPr/>
           <a:lstStyle/>
           <a:p>
-            <a:fld id="{2A86BE8A-1476-4C71-972E-60578CF694FF}" type="slidenum">
+            <a:fld id="{B62CFDF3-2892-4227-AA70-DB2F95AA05CC}" type="slidenum">
               <a:rPr lang="en-US" smtClean="0"/>
               <a:t>‹#›</a:t>
             </a:fld>
@@ -1874,7 +1877,7 @@
     </p:spTree>
     <p:extLst>
       <p:ext uri="{BB962C8B-B14F-4D97-AF65-F5344CB8AC3E}">
-        <p14:creationId xmlns:p14="http://schemas.microsoft.com/office/powerpoint/2010/main" val="2203150624"/>
+        <p14:creationId xmlns:p14="http://schemas.microsoft.com/office/powerpoint/2010/main" val="4264419586"/>
       </p:ext>
     </p:extLst>
   </p:cSld>
@@ -1906,7 +1909,7 @@
           <p:cNvPr id="2" name="Title 1">
             <a:extLst>
               <a:ext uri="{FF2B5EF4-FFF2-40B4-BE49-F238E27FC236}">
-                <a16:creationId xmlns:a16="http://schemas.microsoft.com/office/drawing/2014/main" id="{A228DC1A-719B-CDB5-F8FD-CC0ADF109DAB}"/>
+                <a16:creationId xmlns:a16="http://schemas.microsoft.com/office/drawing/2014/main" id="{82465959-87DD-06DE-1070-19C6B9A04E69}"/>
               </a:ext>
             </a:extLst>
           </p:cNvPr>
@@ -1934,7 +1937,7 @@
           <p:cNvPr id="3" name="Date Placeholder 2">
             <a:extLst>
               <a:ext uri="{FF2B5EF4-FFF2-40B4-BE49-F238E27FC236}">
-                <a16:creationId xmlns:a16="http://schemas.microsoft.com/office/drawing/2014/main" id="{F9831C44-FC6C-E08E-D5A9-0AD98D7BAE35}"/>
+                <a16:creationId xmlns:a16="http://schemas.microsoft.com/office/drawing/2014/main" id="{A65B6E3E-9A6E-7A2B-8BF3-6F7D5CF2BCBC}"/>
               </a:ext>
             </a:extLst>
           </p:cNvPr>
@@ -1950,7 +1953,7 @@
           <a:bodyPr/>
           <a:lstStyle/>
           <a:p>
-            <a:fld id="{41551FA9-5F11-4AB3-B65D-CDBD86D14244}" type="datetimeFigureOut">
+            <a:fld id="{9C4BC039-76B1-44DB-B686-FEFF01AA4EEF}" type="datetimeFigureOut">
               <a:rPr lang="en-US" smtClean="0"/>
               <a:t>3/26/2024</a:t>
             </a:fld>
@@ -1963,7 +1966,7 @@
           <p:cNvPr id="4" name="Footer Placeholder 3">
             <a:extLst>
               <a:ext uri="{FF2B5EF4-FFF2-40B4-BE49-F238E27FC236}">
-                <a16:creationId xmlns:a16="http://schemas.microsoft.com/office/drawing/2014/main" id="{AECA300D-2308-E812-1BFC-922F05D03F03}"/>
+                <a16:creationId xmlns:a16="http://schemas.microsoft.com/office/drawing/2014/main" id="{54565355-80CC-FE45-BEC6-A5C02DAC3607}"/>
               </a:ext>
             </a:extLst>
           </p:cNvPr>
@@ -1988,7 +1991,7 @@
           <p:cNvPr id="5" name="Slide Number Placeholder 4">
             <a:extLst>
               <a:ext uri="{FF2B5EF4-FFF2-40B4-BE49-F238E27FC236}">
-                <a16:creationId xmlns:a16="http://schemas.microsoft.com/office/drawing/2014/main" id="{3A9B9020-FF9F-5C90-1934-36C5F7979236}"/>
+                <a16:creationId xmlns:a16="http://schemas.microsoft.com/office/drawing/2014/main" id="{D977AD68-85C3-AC94-5F25-7E30101752A5}"/>
               </a:ext>
             </a:extLst>
           </p:cNvPr>
@@ -2004,7 +2007,7 @@
           <a:bodyPr/>
           <a:lstStyle/>
           <a:p>
-            <a:fld id="{2A86BE8A-1476-4C71-972E-60578CF694FF}" type="slidenum">
+            <a:fld id="{B62CFDF3-2892-4227-AA70-DB2F95AA05CC}" type="slidenum">
               <a:rPr lang="en-US" smtClean="0"/>
               <a:t>‹#›</a:t>
             </a:fld>
@@ -2015,7 +2018,7 @@
     </p:spTree>
     <p:extLst>
       <p:ext uri="{BB962C8B-B14F-4D97-AF65-F5344CB8AC3E}">
-        <p14:creationId xmlns:p14="http://schemas.microsoft.com/office/powerpoint/2010/main" val="2475674102"/>
+        <p14:creationId xmlns:p14="http://schemas.microsoft.com/office/powerpoint/2010/main" val="3849601070"/>
       </p:ext>
     </p:extLst>
   </p:cSld>
@@ -2047,7 +2050,7 @@
           <p:cNvPr id="2" name="Date Placeholder 1">
             <a:extLst>
               <a:ext uri="{FF2B5EF4-FFF2-40B4-BE49-F238E27FC236}">
-                <a16:creationId xmlns:a16="http://schemas.microsoft.com/office/drawing/2014/main" id="{2540DB39-ACD9-BC33-A0A7-DC74BA4A59EF}"/>
+                <a16:creationId xmlns:a16="http://schemas.microsoft.com/office/drawing/2014/main" id="{085538E5-A4B0-A136-8780-8CABB1EB834F}"/>
               </a:ext>
             </a:extLst>
           </p:cNvPr>
@@ -2063,7 +2066,7 @@
           <a:bodyPr/>
           <a:lstStyle/>
           <a:p>
-            <a:fld id="{41551FA9-5F11-4AB3-B65D-CDBD86D14244}" type="datetimeFigureOut">
+            <a:fld id="{9C4BC039-76B1-44DB-B686-FEFF01AA4EEF}" type="datetimeFigureOut">
               <a:rPr lang="en-US" smtClean="0"/>
               <a:t>3/26/2024</a:t>
             </a:fld>
@@ -2076,7 +2079,7 @@
           <p:cNvPr id="3" name="Footer Placeholder 2">
             <a:extLst>
               <a:ext uri="{FF2B5EF4-FFF2-40B4-BE49-F238E27FC236}">
-                <a16:creationId xmlns:a16="http://schemas.microsoft.com/office/drawing/2014/main" id="{7575085F-B0F1-5C89-A253-2FD997691318}"/>
+                <a16:creationId xmlns:a16="http://schemas.microsoft.com/office/drawing/2014/main" id="{97651C1A-6CC8-5DDB-B1C6-65DA3648AAC7}"/>
               </a:ext>
             </a:extLst>
           </p:cNvPr>
@@ -2101,7 +2104,7 @@
           <p:cNvPr id="4" name="Slide Number Placeholder 3">
             <a:extLst>
               <a:ext uri="{FF2B5EF4-FFF2-40B4-BE49-F238E27FC236}">
-                <a16:creationId xmlns:a16="http://schemas.microsoft.com/office/drawing/2014/main" id="{C9B23B2B-17E6-46A5-ED61-A0879DF3C4CF}"/>
+                <a16:creationId xmlns:a16="http://schemas.microsoft.com/office/drawing/2014/main" id="{80A0F0BC-D712-6A33-A896-B44A768A1C1E}"/>
               </a:ext>
             </a:extLst>
           </p:cNvPr>
@@ -2117,7 +2120,7 @@
           <a:bodyPr/>
           <a:lstStyle/>
           <a:p>
-            <a:fld id="{2A86BE8A-1476-4C71-972E-60578CF694FF}" type="slidenum">
+            <a:fld id="{B62CFDF3-2892-4227-AA70-DB2F95AA05CC}" type="slidenum">
               <a:rPr lang="en-US" smtClean="0"/>
               <a:t>‹#›</a:t>
             </a:fld>
@@ -2128,7 +2131,7 @@
     </p:spTree>
     <p:extLst>
       <p:ext uri="{BB962C8B-B14F-4D97-AF65-F5344CB8AC3E}">
-        <p14:creationId xmlns:p14="http://schemas.microsoft.com/office/powerpoint/2010/main" val="1858896087"/>
+        <p14:creationId xmlns:p14="http://schemas.microsoft.com/office/powerpoint/2010/main" val="1960577472"/>
       </p:ext>
     </p:extLst>
   </p:cSld>
@@ -2160,7 +2163,7 @@
           <p:cNvPr id="2" name="Title 1">
             <a:extLst>
               <a:ext uri="{FF2B5EF4-FFF2-40B4-BE49-F238E27FC236}">
-                <a16:creationId xmlns:a16="http://schemas.microsoft.com/office/drawing/2014/main" id="{38CDD3C3-3360-2357-7101-56927BE9C941}"/>
+                <a16:creationId xmlns:a16="http://schemas.microsoft.com/office/drawing/2014/main" id="{FE33513D-DB64-FDCE-FEB4-7AA6FFEA7442}"/>
               </a:ext>
             </a:extLst>
           </p:cNvPr>
@@ -2197,7 +2200,7 @@
           <p:cNvPr id="3" name="Content Placeholder 2">
             <a:extLst>
               <a:ext uri="{FF2B5EF4-FFF2-40B4-BE49-F238E27FC236}">
-                <a16:creationId xmlns:a16="http://schemas.microsoft.com/office/drawing/2014/main" id="{C63BDB47-FB65-020B-92CE-6F82EC710018}"/>
+                <a16:creationId xmlns:a16="http://schemas.microsoft.com/office/drawing/2014/main" id="{92258008-BA4C-0464-2F39-8DF4CA2DAA7F}"/>
               </a:ext>
             </a:extLst>
           </p:cNvPr>
@@ -2287,7 +2290,7 @@
           <p:cNvPr id="4" name="Text Placeholder 3">
             <a:extLst>
               <a:ext uri="{FF2B5EF4-FFF2-40B4-BE49-F238E27FC236}">
-                <a16:creationId xmlns:a16="http://schemas.microsoft.com/office/drawing/2014/main" id="{6DA7A848-AE4F-75EA-DA40-64A25141813D}"/>
+                <a16:creationId xmlns:a16="http://schemas.microsoft.com/office/drawing/2014/main" id="{7E7728A0-7A16-976E-BE6B-BBD769071056}"/>
               </a:ext>
             </a:extLst>
           </p:cNvPr>
@@ -2358,7 +2361,7 @@
           <p:cNvPr id="5" name="Date Placeholder 4">
             <a:extLst>
               <a:ext uri="{FF2B5EF4-FFF2-40B4-BE49-F238E27FC236}">
-                <a16:creationId xmlns:a16="http://schemas.microsoft.com/office/drawing/2014/main" id="{D858FAF1-0D3D-71A0-FC01-3CEB6455A592}"/>
+                <a16:creationId xmlns:a16="http://schemas.microsoft.com/office/drawing/2014/main" id="{E903EC65-1667-D75B-ACDF-1315E6BF3E4D}"/>
               </a:ext>
             </a:extLst>
           </p:cNvPr>
@@ -2374,7 +2377,7 @@
           <a:bodyPr/>
           <a:lstStyle/>
           <a:p>
-            <a:fld id="{41551FA9-5F11-4AB3-B65D-CDBD86D14244}" type="datetimeFigureOut">
+            <a:fld id="{9C4BC039-76B1-44DB-B686-FEFF01AA4EEF}" type="datetimeFigureOut">
               <a:rPr lang="en-US" smtClean="0"/>
               <a:t>3/26/2024</a:t>
             </a:fld>
@@ -2387,7 +2390,7 @@
           <p:cNvPr id="6" name="Footer Placeholder 5">
             <a:extLst>
               <a:ext uri="{FF2B5EF4-FFF2-40B4-BE49-F238E27FC236}">
-                <a16:creationId xmlns:a16="http://schemas.microsoft.com/office/drawing/2014/main" id="{5BB8D66E-E9AA-94DB-1E7C-B0FD47C7AEB4}"/>
+                <a16:creationId xmlns:a16="http://schemas.microsoft.com/office/drawing/2014/main" id="{3EA68725-613B-B51F-BA0A-C9B49B75EDEF}"/>
               </a:ext>
             </a:extLst>
           </p:cNvPr>
@@ -2412,7 +2415,7 @@
           <p:cNvPr id="7" name="Slide Number Placeholder 6">
             <a:extLst>
               <a:ext uri="{FF2B5EF4-FFF2-40B4-BE49-F238E27FC236}">
-                <a16:creationId xmlns:a16="http://schemas.microsoft.com/office/drawing/2014/main" id="{7561D5CF-1068-34B5-524C-C6B0A7C3A2D4}"/>
+                <a16:creationId xmlns:a16="http://schemas.microsoft.com/office/drawing/2014/main" id="{16D63B7B-AC26-C5C1-6181-6E03B0CD032A}"/>
               </a:ext>
             </a:extLst>
           </p:cNvPr>
@@ -2428,7 +2431,7 @@
           <a:bodyPr/>
           <a:lstStyle/>
           <a:p>
-            <a:fld id="{2A86BE8A-1476-4C71-972E-60578CF694FF}" type="slidenum">
+            <a:fld id="{B62CFDF3-2892-4227-AA70-DB2F95AA05CC}" type="slidenum">
               <a:rPr lang="en-US" smtClean="0"/>
               <a:t>‹#›</a:t>
             </a:fld>
@@ -2439,7 +2442,7 @@
     </p:spTree>
     <p:extLst>
       <p:ext uri="{BB962C8B-B14F-4D97-AF65-F5344CB8AC3E}">
-        <p14:creationId xmlns:p14="http://schemas.microsoft.com/office/powerpoint/2010/main" val="2444680970"/>
+        <p14:creationId xmlns:p14="http://schemas.microsoft.com/office/powerpoint/2010/main" val="3899757530"/>
       </p:ext>
     </p:extLst>
   </p:cSld>
@@ -2471,7 +2474,7 @@
           <p:cNvPr id="2" name="Title 1">
             <a:extLst>
               <a:ext uri="{FF2B5EF4-FFF2-40B4-BE49-F238E27FC236}">
-                <a16:creationId xmlns:a16="http://schemas.microsoft.com/office/drawing/2014/main" id="{06B58C61-DE3E-53CE-7CA2-53B2F1E1FA8D}"/>
+                <a16:creationId xmlns:a16="http://schemas.microsoft.com/office/drawing/2014/main" id="{BE91CE1A-EC87-C0E2-8424-DD0D6884F01C}"/>
               </a:ext>
             </a:extLst>
           </p:cNvPr>
@@ -2508,7 +2511,7 @@
           <p:cNvPr id="3" name="Picture Placeholder 2">
             <a:extLst>
               <a:ext uri="{FF2B5EF4-FFF2-40B4-BE49-F238E27FC236}">
-                <a16:creationId xmlns:a16="http://schemas.microsoft.com/office/drawing/2014/main" id="{BEF5E867-1692-5138-E5E0-FA9C8A88CE77}"/>
+                <a16:creationId xmlns:a16="http://schemas.microsoft.com/office/drawing/2014/main" id="{B8F1A2F9-0E37-6545-70BA-951438F4EF5D}"/>
               </a:ext>
             </a:extLst>
           </p:cNvPr>
@@ -2575,7 +2578,7 @@
           <p:cNvPr id="4" name="Text Placeholder 3">
             <a:extLst>
               <a:ext uri="{FF2B5EF4-FFF2-40B4-BE49-F238E27FC236}">
-                <a16:creationId xmlns:a16="http://schemas.microsoft.com/office/drawing/2014/main" id="{1CFB79ED-3DAE-75E6-EFC3-11D3C7E3F19E}"/>
+                <a16:creationId xmlns:a16="http://schemas.microsoft.com/office/drawing/2014/main" id="{D1C47CF3-532D-939A-2409-116EF2955AB8}"/>
               </a:ext>
             </a:extLst>
           </p:cNvPr>
@@ -2646,7 +2649,7 @@
           <p:cNvPr id="5" name="Date Placeholder 4">
             <a:extLst>
               <a:ext uri="{FF2B5EF4-FFF2-40B4-BE49-F238E27FC236}">
-                <a16:creationId xmlns:a16="http://schemas.microsoft.com/office/drawing/2014/main" id="{D2A8B9C7-C2B3-E44B-EE5A-649343BE8381}"/>
+                <a16:creationId xmlns:a16="http://schemas.microsoft.com/office/drawing/2014/main" id="{38E9B4E2-EFBF-72D2-BE5F-2ED353678535}"/>
               </a:ext>
             </a:extLst>
           </p:cNvPr>
@@ -2662,7 +2665,7 @@
           <a:bodyPr/>
           <a:lstStyle/>
           <a:p>
-            <a:fld id="{41551FA9-5F11-4AB3-B65D-CDBD86D14244}" type="datetimeFigureOut">
+            <a:fld id="{9C4BC039-76B1-44DB-B686-FEFF01AA4EEF}" type="datetimeFigureOut">
               <a:rPr lang="en-US" smtClean="0"/>
               <a:t>3/26/2024</a:t>
             </a:fld>
@@ -2675,7 +2678,7 @@
           <p:cNvPr id="6" name="Footer Placeholder 5">
             <a:extLst>
               <a:ext uri="{FF2B5EF4-FFF2-40B4-BE49-F238E27FC236}">
-                <a16:creationId xmlns:a16="http://schemas.microsoft.com/office/drawing/2014/main" id="{B790CC17-80F2-1439-1E60-21B2BCC7DA3D}"/>
+                <a16:creationId xmlns:a16="http://schemas.microsoft.com/office/drawing/2014/main" id="{5F06A3E6-95BB-8086-F89D-7E8EC7D60AE8}"/>
               </a:ext>
             </a:extLst>
           </p:cNvPr>
@@ -2700,7 +2703,7 @@
           <p:cNvPr id="7" name="Slide Number Placeholder 6">
             <a:extLst>
               <a:ext uri="{FF2B5EF4-FFF2-40B4-BE49-F238E27FC236}">
-                <a16:creationId xmlns:a16="http://schemas.microsoft.com/office/drawing/2014/main" id="{0F5773BE-EA48-3742-8D55-CA742FCB5DF2}"/>
+                <a16:creationId xmlns:a16="http://schemas.microsoft.com/office/drawing/2014/main" id="{4CDA240D-AF82-9728-8C6D-09174284FBE3}"/>
               </a:ext>
             </a:extLst>
           </p:cNvPr>
@@ -2716,7 +2719,7 @@
           <a:bodyPr/>
           <a:lstStyle/>
           <a:p>
-            <a:fld id="{2A86BE8A-1476-4C71-972E-60578CF694FF}" type="slidenum">
+            <a:fld id="{B62CFDF3-2892-4227-AA70-DB2F95AA05CC}" type="slidenum">
               <a:rPr lang="en-US" smtClean="0"/>
               <a:t>‹#›</a:t>
             </a:fld>
@@ -2727,7 +2730,7 @@
     </p:spTree>
     <p:extLst>
       <p:ext uri="{BB962C8B-B14F-4D97-AF65-F5344CB8AC3E}">
-        <p14:creationId xmlns:p14="http://schemas.microsoft.com/office/powerpoint/2010/main" val="479719577"/>
+        <p14:creationId xmlns:p14="http://schemas.microsoft.com/office/powerpoint/2010/main" val="3450966823"/>
       </p:ext>
     </p:extLst>
   </p:cSld>
@@ -2764,7 +2767,7 @@
           <p:cNvPr id="2" name="Title Placeholder 1">
             <a:extLst>
               <a:ext uri="{FF2B5EF4-FFF2-40B4-BE49-F238E27FC236}">
-                <a16:creationId xmlns:a16="http://schemas.microsoft.com/office/drawing/2014/main" id="{37F3023D-1305-6E47-B737-F83691EA2A54}"/>
+                <a16:creationId xmlns:a16="http://schemas.microsoft.com/office/drawing/2014/main" id="{348C28BF-22CC-CF99-98A5-4BD995ADEB63}"/>
               </a:ext>
             </a:extLst>
           </p:cNvPr>
@@ -2802,7 +2805,7 @@
           <p:cNvPr id="3" name="Text Placeholder 2">
             <a:extLst>
               <a:ext uri="{FF2B5EF4-FFF2-40B4-BE49-F238E27FC236}">
-                <a16:creationId xmlns:a16="http://schemas.microsoft.com/office/drawing/2014/main" id="{579243E4-326E-3B94-CD30-D5B6F2E95625}"/>
+                <a16:creationId xmlns:a16="http://schemas.microsoft.com/office/drawing/2014/main" id="{5EA12A4E-6E0C-1384-E4EE-DC3E6A1748A9}"/>
               </a:ext>
             </a:extLst>
           </p:cNvPr>
@@ -2869,7 +2872,7 @@
           <p:cNvPr id="4" name="Date Placeholder 3">
             <a:extLst>
               <a:ext uri="{FF2B5EF4-FFF2-40B4-BE49-F238E27FC236}">
-                <a16:creationId xmlns:a16="http://schemas.microsoft.com/office/drawing/2014/main" id="{38CE91FF-B896-1B48-0E21-2B4442BB7283}"/>
+                <a16:creationId xmlns:a16="http://schemas.microsoft.com/office/drawing/2014/main" id="{938990E0-2A21-C8A8-6D19-B50674CEDCE7}"/>
               </a:ext>
             </a:extLst>
           </p:cNvPr>
@@ -2903,7 +2906,7 @@
             </a:lvl1pPr>
           </a:lstStyle>
           <a:p>
-            <a:fld id="{41551FA9-5F11-4AB3-B65D-CDBD86D14244}" type="datetimeFigureOut">
+            <a:fld id="{9C4BC039-76B1-44DB-B686-FEFF01AA4EEF}" type="datetimeFigureOut">
               <a:rPr lang="en-US" smtClean="0"/>
               <a:t>3/26/2024</a:t>
             </a:fld>
@@ -2916,7 +2919,7 @@
           <p:cNvPr id="5" name="Footer Placeholder 4">
             <a:extLst>
               <a:ext uri="{FF2B5EF4-FFF2-40B4-BE49-F238E27FC236}">
-                <a16:creationId xmlns:a16="http://schemas.microsoft.com/office/drawing/2014/main" id="{4FC9DB0A-B2A5-548E-FF01-A8080FFEBFEB}"/>
+                <a16:creationId xmlns:a16="http://schemas.microsoft.com/office/drawing/2014/main" id="{4CA9B333-D8BE-5385-D65D-A5FB5B41EDF8}"/>
               </a:ext>
             </a:extLst>
           </p:cNvPr>
@@ -2959,7 +2962,7 @@
           <p:cNvPr id="6" name="Slide Number Placeholder 5">
             <a:extLst>
               <a:ext uri="{FF2B5EF4-FFF2-40B4-BE49-F238E27FC236}">
-                <a16:creationId xmlns:a16="http://schemas.microsoft.com/office/drawing/2014/main" id="{78316DF5-9C22-95C4-7A9A-BE9BA8DB82FA}"/>
+                <a16:creationId xmlns:a16="http://schemas.microsoft.com/office/drawing/2014/main" id="{4A495859-E747-6922-BE63-A881FAB9EFC0}"/>
               </a:ext>
             </a:extLst>
           </p:cNvPr>
@@ -2993,7 +2996,7 @@
             </a:lvl1pPr>
           </a:lstStyle>
           <a:p>
-            <a:fld id="{2A86BE8A-1476-4C71-972E-60578CF694FF}" type="slidenum">
+            <a:fld id="{B62CFDF3-2892-4227-AA70-DB2F95AA05CC}" type="slidenum">
               <a:rPr lang="en-US" smtClean="0"/>
               <a:t>‹#›</a:t>
             </a:fld>
@@ -3004,7 +3007,7 @@
     </p:spTree>
     <p:extLst>
       <p:ext uri="{BB962C8B-B14F-4D97-AF65-F5344CB8AC3E}">
-        <p14:creationId xmlns:p14="http://schemas.microsoft.com/office/powerpoint/2010/main" val="3949436759"/>
+        <p14:creationId xmlns:p14="http://schemas.microsoft.com/office/powerpoint/2010/main" val="4261741047"/>
       </p:ext>
     </p:extLst>
   </p:cSld>
@@ -3327,7 +3330,7 @@
           <p:cNvPr id="2" name="Picture 1">
             <a:extLst>
               <a:ext uri="{FF2B5EF4-FFF2-40B4-BE49-F238E27FC236}">
-                <a16:creationId xmlns:a16="http://schemas.microsoft.com/office/drawing/2014/main" id="{4AB42AF4-95A5-F5CF-B789-E7D59398C444}"/>
+                <a16:creationId xmlns:a16="http://schemas.microsoft.com/office/drawing/2014/main" id="{C61161FD-478F-FE40-6C53-7101D9F5D727}"/>
               </a:ext>
             </a:extLst>
           </p:cNvPr>
@@ -3345,7 +3348,7 @@
         <p:spPr>
           <a:xfrm>
             <a:off x="254000" y="508000"/>
-            <a:ext cx="11840877" cy="6858000"/>
+            <a:ext cx="7153212" cy="6858000"/>
           </a:xfrm>
           <a:prstGeom prst="rect">
             <a:avLst/>
@@ -3355,7 +3358,7 @@
     </p:spTree>
     <p:extLst>
       <p:ext uri="{BB962C8B-B14F-4D97-AF65-F5344CB8AC3E}">
-        <p14:creationId xmlns:p14="http://schemas.microsoft.com/office/powerpoint/2010/main" val="2622018983"/>
+        <p14:creationId xmlns:p14="http://schemas.microsoft.com/office/powerpoint/2010/main" val="1282094560"/>
       </p:ext>
     </p:extLst>
   </p:cSld>
@@ -3387,7 +3390,7 @@
           <p:cNvPr id="2" name="Picture 1">
             <a:extLst>
               <a:ext uri="{FF2B5EF4-FFF2-40B4-BE49-F238E27FC236}">
-                <a16:creationId xmlns:a16="http://schemas.microsoft.com/office/drawing/2014/main" id="{06FCF5D7-B370-799A-5CB2-FAD5E7AC97E2}"/>
+                <a16:creationId xmlns:a16="http://schemas.microsoft.com/office/drawing/2014/main" id="{F41F16FA-9910-032D-9E7A-43ECD082D6FF}"/>
               </a:ext>
             </a:extLst>
           </p:cNvPr>
@@ -3415,7 +3418,187 @@
     </p:spTree>
     <p:extLst>
       <p:ext uri="{BB962C8B-B14F-4D97-AF65-F5344CB8AC3E}">
-        <p14:creationId xmlns:p14="http://schemas.microsoft.com/office/powerpoint/2010/main" val="3255297800"/>
+        <p14:creationId xmlns:p14="http://schemas.microsoft.com/office/powerpoint/2010/main" val="3568282489"/>
+      </p:ext>
+    </p:extLst>
+  </p:cSld>
+  <p:clrMapOvr>
+    <a:masterClrMapping/>
+  </p:clrMapOvr>
+</p:sld>
+</file>
+
+<file path=ppt/slides/slide3.xml><?xml version="1.0" encoding="utf-8"?>
+<p:sld xmlns:a="http://schemas.openxmlformats.org/drawingml/2006/main" xmlns:r="http://schemas.openxmlformats.org/officeDocument/2006/relationships" xmlns:p="http://schemas.openxmlformats.org/presentationml/2006/main">
+  <p:cSld>
+    <p:spTree>
+      <p:nvGrpSpPr>
+        <p:cNvPr id="1" name=""/>
+        <p:cNvGrpSpPr/>
+        <p:nvPr/>
+      </p:nvGrpSpPr>
+      <p:grpSpPr>
+        <a:xfrm>
+          <a:off x="0" y="0"/>
+          <a:ext cx="0" cy="0"/>
+          <a:chOff x="0" y="0"/>
+          <a:chExt cx="0" cy="0"/>
+        </a:xfrm>
+      </p:grpSpPr>
+      <p:pic>
+        <p:nvPicPr>
+          <p:cNvPr id="2" name="Picture 1">
+            <a:extLst>
+              <a:ext uri="{FF2B5EF4-FFF2-40B4-BE49-F238E27FC236}">
+                <a16:creationId xmlns:a16="http://schemas.microsoft.com/office/drawing/2014/main" id="{4ADA5923-6950-34D8-1637-A286F8329D33}"/>
+              </a:ext>
+            </a:extLst>
+          </p:cNvPr>
+          <p:cNvPicPr>
+            <a:picLocks noChangeAspect="1"/>
+          </p:cNvPicPr>
+          <p:nvPr/>
+        </p:nvPicPr>
+        <p:blipFill>
+          <a:blip r:embed="rId2"/>
+          <a:stretch>
+            <a:fillRect/>
+          </a:stretch>
+        </p:blipFill>
+        <p:spPr>
+          <a:xfrm>
+            <a:off x="0" y="635000"/>
+            <a:ext cx="12192000" cy="5904465"/>
+          </a:xfrm>
+          <a:prstGeom prst="rect">
+            <a:avLst/>
+          </a:prstGeom>
+        </p:spPr>
+      </p:pic>
+    </p:spTree>
+    <p:extLst>
+      <p:ext uri="{BB962C8B-B14F-4D97-AF65-F5344CB8AC3E}">
+        <p14:creationId xmlns:p14="http://schemas.microsoft.com/office/powerpoint/2010/main" val="2823958478"/>
+      </p:ext>
+    </p:extLst>
+  </p:cSld>
+  <p:clrMapOvr>
+    <a:masterClrMapping/>
+  </p:clrMapOvr>
+</p:sld>
+</file>
+
+<file path=ppt/slides/slide4.xml><?xml version="1.0" encoding="utf-8"?>
+<p:sld xmlns:a="http://schemas.openxmlformats.org/drawingml/2006/main" xmlns:r="http://schemas.openxmlformats.org/officeDocument/2006/relationships" xmlns:p="http://schemas.openxmlformats.org/presentationml/2006/main">
+  <p:cSld>
+    <p:spTree>
+      <p:nvGrpSpPr>
+        <p:cNvPr id="1" name=""/>
+        <p:cNvGrpSpPr/>
+        <p:nvPr/>
+      </p:nvGrpSpPr>
+      <p:grpSpPr>
+        <a:xfrm>
+          <a:off x="0" y="0"/>
+          <a:ext cx="0" cy="0"/>
+          <a:chOff x="0" y="0"/>
+          <a:chExt cx="0" cy="0"/>
+        </a:xfrm>
+      </p:grpSpPr>
+      <p:pic>
+        <p:nvPicPr>
+          <p:cNvPr id="2" name="Picture 1">
+            <a:extLst>
+              <a:ext uri="{FF2B5EF4-FFF2-40B4-BE49-F238E27FC236}">
+                <a16:creationId xmlns:a16="http://schemas.microsoft.com/office/drawing/2014/main" id="{80429385-B298-8D57-99F9-E9C728450339}"/>
+              </a:ext>
+            </a:extLst>
+          </p:cNvPr>
+          <p:cNvPicPr>
+            <a:picLocks noChangeAspect="1"/>
+          </p:cNvPicPr>
+          <p:nvPr/>
+        </p:nvPicPr>
+        <p:blipFill>
+          <a:blip r:embed="rId2"/>
+          <a:stretch>
+            <a:fillRect/>
+          </a:stretch>
+        </p:blipFill>
+        <p:spPr>
+          <a:xfrm>
+            <a:off x="0" y="635000"/>
+            <a:ext cx="12192000" cy="5370061"/>
+          </a:xfrm>
+          <a:prstGeom prst="rect">
+            <a:avLst/>
+          </a:prstGeom>
+        </p:spPr>
+      </p:pic>
+    </p:spTree>
+    <p:extLst>
+      <p:ext uri="{BB962C8B-B14F-4D97-AF65-F5344CB8AC3E}">
+        <p14:creationId xmlns:p14="http://schemas.microsoft.com/office/powerpoint/2010/main" val="1401206571"/>
+      </p:ext>
+    </p:extLst>
+  </p:cSld>
+  <p:clrMapOvr>
+    <a:masterClrMapping/>
+  </p:clrMapOvr>
+</p:sld>
+</file>
+
+<file path=ppt/slides/slide5.xml><?xml version="1.0" encoding="utf-8"?>
+<p:sld xmlns:a="http://schemas.openxmlformats.org/drawingml/2006/main" xmlns:r="http://schemas.openxmlformats.org/officeDocument/2006/relationships" xmlns:p="http://schemas.openxmlformats.org/presentationml/2006/main">
+  <p:cSld>
+    <p:spTree>
+      <p:nvGrpSpPr>
+        <p:cNvPr id="1" name=""/>
+        <p:cNvGrpSpPr/>
+        <p:nvPr/>
+      </p:nvGrpSpPr>
+      <p:grpSpPr>
+        <a:xfrm>
+          <a:off x="0" y="0"/>
+          <a:ext cx="0" cy="0"/>
+          <a:chOff x="0" y="0"/>
+          <a:chExt cx="0" cy="0"/>
+        </a:xfrm>
+      </p:grpSpPr>
+      <p:pic>
+        <p:nvPicPr>
+          <p:cNvPr id="2" name="Picture 1">
+            <a:extLst>
+              <a:ext uri="{FF2B5EF4-FFF2-40B4-BE49-F238E27FC236}">
+                <a16:creationId xmlns:a16="http://schemas.microsoft.com/office/drawing/2014/main" id="{7E775867-428E-C625-C54C-851B47698E3C}"/>
+              </a:ext>
+            </a:extLst>
+          </p:cNvPr>
+          <p:cNvPicPr>
+            <a:picLocks noChangeAspect="1"/>
+          </p:cNvPicPr>
+          <p:nvPr/>
+        </p:nvPicPr>
+        <p:blipFill>
+          <a:blip r:embed="rId2"/>
+          <a:stretch>
+            <a:fillRect/>
+          </a:stretch>
+        </p:blipFill>
+        <p:spPr>
+          <a:xfrm>
+            <a:off x="0" y="635000"/>
+            <a:ext cx="12192000" cy="5370061"/>
+          </a:xfrm>
+          <a:prstGeom prst="rect">
+            <a:avLst/>
+          </a:prstGeom>
+        </p:spPr>
+      </p:pic>
+    </p:spTree>
+    <p:extLst>
+      <p:ext uri="{BB962C8B-B14F-4D97-AF65-F5344CB8AC3E}">
+        <p14:creationId xmlns:p14="http://schemas.microsoft.com/office/powerpoint/2010/main" val="1068447448"/>
       </p:ext>
     </p:extLst>
   </p:cSld>
